--- a/R Session.pptx
+++ b/R Session.pptx
@@ -5,7 +5,7 @@
     <p:sldMasterId id="2147483660" r:id="rId1"/>
   </p:sldMasterIdLst>
   <p:notesMasterIdLst>
-    <p:notesMasterId r:id="rId46"/>
+    <p:notesMasterId r:id="rId43"/>
   </p:notesMasterIdLst>
   <p:sldIdLst>
     <p:sldId id="258" r:id="rId2"/>
@@ -39,19 +39,16 @@
     <p:sldId id="341" r:id="rId30"/>
     <p:sldId id="342" r:id="rId31"/>
     <p:sldId id="351" r:id="rId32"/>
-    <p:sldId id="317" r:id="rId33"/>
-    <p:sldId id="325" r:id="rId34"/>
-    <p:sldId id="347" r:id="rId35"/>
-    <p:sldId id="327" r:id="rId36"/>
-    <p:sldId id="310" r:id="rId37"/>
-    <p:sldId id="343" r:id="rId38"/>
-    <p:sldId id="322" r:id="rId39"/>
-    <p:sldId id="332" r:id="rId40"/>
-    <p:sldId id="315" r:id="rId41"/>
-    <p:sldId id="345" r:id="rId42"/>
-    <p:sldId id="301" r:id="rId43"/>
-    <p:sldId id="326" r:id="rId44"/>
-    <p:sldId id="346" r:id="rId45"/>
+    <p:sldId id="327" r:id="rId33"/>
+    <p:sldId id="310" r:id="rId34"/>
+    <p:sldId id="343" r:id="rId35"/>
+    <p:sldId id="322" r:id="rId36"/>
+    <p:sldId id="332" r:id="rId37"/>
+    <p:sldId id="315" r:id="rId38"/>
+    <p:sldId id="345" r:id="rId39"/>
+    <p:sldId id="301" r:id="rId40"/>
+    <p:sldId id="326" r:id="rId41"/>
+    <p:sldId id="346" r:id="rId42"/>
   </p:sldIdLst>
   <p:sldSz cx="12192000" cy="6858000"/>
   <p:notesSz cx="6858000" cy="9144000"/>
@@ -159,6 +156,10 @@
     </p:ext>
   </p:extLst>
 </p:presentation>
+</file>
+
+<file path=ppt/revisionInfo.xml><?xml version="1.0" encoding="utf-8"?>
+<p1510:revInfo xmlns:a="http://schemas.openxmlformats.org/drawingml/2006/main" xmlns:r="http://schemas.openxmlformats.org/officeDocument/2006/relationships" xmlns:p1510="http://schemas.microsoft.com/office/powerpoint/2015/10/main"/>
 </file>
 
 <file path=ppt/notesMasters/notesMaster1.xml><?xml version="1.0" encoding="utf-8"?>
@@ -1761,7 +1762,7 @@
           <a:p>
             <a:fld id="{E35866A8-0950-4713-8AD1-561C9B0A68EB}" type="slidenum">
               <a:rPr lang="en-US" smtClean="0"/>
-              <a:t>41</a:t>
+              <a:t>38</a:t>
             </a:fld>
             <a:endParaRPr lang="en-US"/>
           </a:p>
@@ -1854,7 +1855,7 @@
           <a:p>
             <a:fld id="{E35866A8-0950-4713-8AD1-561C9B0A68EB}" type="slidenum">
               <a:rPr lang="en-US" smtClean="0"/>
-              <a:t>42</a:t>
+              <a:t>39</a:t>
             </a:fld>
             <a:endParaRPr lang="en-US"/>
           </a:p>
@@ -1947,7 +1948,7 @@
           <a:p>
             <a:fld id="{E35866A8-0950-4713-8AD1-561C9B0A68EB}" type="slidenum">
               <a:rPr lang="en-US" smtClean="0"/>
-              <a:t>43</a:t>
+              <a:t>40</a:t>
             </a:fld>
             <a:endParaRPr lang="en-US"/>
           </a:p>
@@ -2032,7 +2033,7 @@
           <a:p>
             <a:fld id="{E35866A8-0950-4713-8AD1-561C9B0A68EB}" type="slidenum">
               <a:rPr lang="en-US" smtClean="0"/>
-              <a:t>44</a:t>
+              <a:t>41</a:t>
             </a:fld>
             <a:endParaRPr lang="en-US"/>
           </a:p>
@@ -23213,34 +23214,22 @@
               <a:rPr lang="en-US" sz="2800" i="1" dirty="0">
                 <a:hlinkClick r:id="rId4"/>
               </a:rPr>
-              <a:t>http://</a:t>
-            </a:r>
-            <a:r>
-              <a:rPr lang="en-US" sz="2800" i="1" dirty="0" smtClean="0">
-                <a:hlinkClick r:id="rId4"/>
-              </a:rPr>
-              <a:t>www.pertell.com/sqlservings</a:t>
-            </a:r>
-            <a:endParaRPr lang="en-US" sz="2800" i="1" dirty="0" smtClean="0"/>
-          </a:p>
-          <a:p>
-            <a:r>
-              <a:rPr lang="en-US" sz="2800" i="1" dirty="0" smtClean="0"/>
+              <a:t>http://www.pertell.com/sqlservings</a:t>
+            </a:r>
+            <a:endParaRPr lang="en-US" sz="2800" i="1" dirty="0"/>
+          </a:p>
+          <a:p>
+            <a:r>
+              <a:rPr lang="en-US" sz="2800" i="1" dirty="0"/>
               <a:t>Link to slides and demo code: </a:t>
             </a:r>
             <a:r>
               <a:rPr lang="en-US" sz="2800" dirty="0">
                 <a:hlinkClick r:id="rId5"/>
               </a:rPr>
-              <a:t>https://</a:t>
-            </a:r>
-            <a:r>
-              <a:rPr lang="en-US" sz="2800" dirty="0" smtClean="0">
-                <a:hlinkClick r:id="rId5"/>
-              </a:rPr>
-              <a:t>github.com/jayape/FoxPass</a:t>
-            </a:r>
-            <a:endParaRPr lang="en-US" sz="2800" dirty="0" smtClean="0"/>
+              <a:t>https://github.com/jayape/FoxPass</a:t>
+            </a:r>
+            <a:endParaRPr lang="en-US" sz="2800" dirty="0"/>
           </a:p>
           <a:p>
             <a:endParaRPr lang="en-US" sz="3600" i="1" dirty="0"/>
@@ -23349,15 +23338,7 @@
           <a:p>
             <a:r>
               <a:rPr lang="en-US" sz="3600" i="1" dirty="0"/>
-              <a:t>A Beginner’s </a:t>
-            </a:r>
-            <a:r>
-              <a:rPr lang="en-US" sz="3600" i="1" dirty="0" smtClean="0"/>
-              <a:t>Look </a:t>
-            </a:r>
-            <a:r>
-              <a:rPr lang="en-US" sz="3600" i="1" dirty="0"/>
-              <a:t>at R</a:t>
+              <a:t>A Beginner’s Look at R</a:t>
             </a:r>
           </a:p>
         </p:txBody>
@@ -23432,13 +23413,6 @@
   <p:clrMapOvr>
     <a:masterClrMapping/>
   </p:clrMapOvr>
-  <p:timing>
-    <p:tnLst>
-      <p:par>
-        <p:cTn id="1" dur="indefinite" restart="never" nodeType="tmRoot"/>
-      </p:par>
-    </p:tnLst>
-  </p:timing>
 </p:sld>
 </file>
 
@@ -23675,13 +23649,6 @@
   <p:clrMapOvr>
     <a:masterClrMapping/>
   </p:clrMapOvr>
-  <p:timing>
-    <p:tnLst>
-      <p:par>
-        <p:cTn id="1" dur="indefinite" restart="never" nodeType="tmRoot"/>
-      </p:par>
-    </p:tnLst>
-  </p:timing>
 </p:sld>
 </file>
 
@@ -23900,13 +23867,6 @@
   <p:clrMapOvr>
     <a:masterClrMapping/>
   </p:clrMapOvr>
-  <p:timing>
-    <p:tnLst>
-      <p:par>
-        <p:cTn id="1" dur="indefinite" restart="never" nodeType="tmRoot"/>
-      </p:par>
-    </p:tnLst>
-  </p:timing>
 </p:sld>
 </file>
 
@@ -24124,13 +24084,6 @@
   <p:clrMapOvr>
     <a:masterClrMapping/>
   </p:clrMapOvr>
-  <p:timing>
-    <p:tnLst>
-      <p:par>
-        <p:cTn id="1" dur="indefinite" restart="never" nodeType="tmRoot"/>
-      </p:par>
-    </p:tnLst>
-  </p:timing>
 </p:sld>
 </file>
 
@@ -24263,16 +24216,12 @@
               <a:buChar char="•"/>
             </a:pPr>
             <a:r>
-              <a:rPr lang="en-US" sz="2800" dirty="0" err="1" smtClean="0"/>
+              <a:rPr lang="en-US" sz="2800" dirty="0" err="1"/>
               <a:t>Lib.loc</a:t>
             </a:r>
             <a:r>
-              <a:rPr lang="en-US" sz="2800" dirty="0" smtClean="0"/>
-              <a:t> </a:t>
-            </a:r>
-            <a:r>
               <a:rPr lang="en-US" sz="2800" dirty="0"/>
-              <a:t>is optional	</a:t>
+              <a:t> is optional	</a:t>
             </a:r>
           </a:p>
           <a:p>
@@ -24364,13 +24313,6 @@
   <p:clrMapOvr>
     <a:masterClrMapping/>
   </p:clrMapOvr>
-  <p:timing>
-    <p:tnLst>
-      <p:par>
-        <p:cTn id="1" dur="indefinite" restart="never" nodeType="tmRoot"/>
-      </p:par>
-    </p:tnLst>
-  </p:timing>
 </p:sld>
 </file>
 
@@ -24461,13 +24403,6 @@
   <p:clrMapOvr>
     <a:masterClrMapping/>
   </p:clrMapOvr>
-  <p:timing>
-    <p:tnLst>
-      <p:par>
-        <p:cTn id="1" dur="indefinite" restart="never" nodeType="tmRoot"/>
-      </p:par>
-    </p:tnLst>
-  </p:timing>
 </p:sld>
 </file>
 
@@ -24521,13 +24456,6 @@
   <p:clrMapOvr>
     <a:masterClrMapping/>
   </p:clrMapOvr>
-  <p:timing>
-    <p:tnLst>
-      <p:par>
-        <p:cTn id="1" dur="indefinite" restart="never" nodeType="tmRoot"/>
-      </p:par>
-    </p:tnLst>
-  </p:timing>
 </p:sld>
 </file>
 
@@ -24581,13 +24509,6 @@
   <p:clrMapOvr>
     <a:masterClrMapping/>
   </p:clrMapOvr>
-  <p:timing>
-    <p:tnLst>
-      <p:par>
-        <p:cTn id="1" dur="indefinite" restart="never" nodeType="tmRoot"/>
-      </p:par>
-    </p:tnLst>
-  </p:timing>
 </p:sld>
 </file>
 
@@ -24677,13 +24598,6 @@
   <p:clrMapOvr>
     <a:masterClrMapping/>
   </p:clrMapOvr>
-  <p:timing>
-    <p:tnLst>
-      <p:par>
-        <p:cTn id="1" dur="indefinite" restart="never" nodeType="tmRoot"/>
-      </p:par>
-    </p:tnLst>
-  </p:timing>
 </p:sld>
 </file>
 
@@ -25061,13 +24975,6 @@
   <p:clrMapOvr>
     <a:masterClrMapping/>
   </p:clrMapOvr>
-  <p:timing>
-    <p:tnLst>
-      <p:par>
-        <p:cTn id="1" dur="indefinite" restart="never" nodeType="tmRoot"/>
-      </p:par>
-    </p:tnLst>
-  </p:timing>
 </p:sld>
 </file>
 
@@ -25241,13 +25148,6 @@
   <p:clrMapOvr>
     <a:masterClrMapping/>
   </p:clrMapOvr>
-  <p:timing>
-    <p:tnLst>
-      <p:par>
-        <p:cTn id="1" dur="indefinite" restart="never" nodeType="tmRoot"/>
-      </p:par>
-    </p:tnLst>
-  </p:timing>
 </p:sld>
 </file>
 
@@ -26949,13 +26849,6 @@
   <p:transition spd="med">
     <p:pull/>
   </p:transition>
-  <p:timing>
-    <p:tnLst>
-      <p:par>
-        <p:cTn id="1" dur="indefinite" restart="never" nodeType="tmRoot"/>
-      </p:par>
-    </p:tnLst>
-  </p:timing>
 </p:sld>
 </file>
 
@@ -27152,572 +27045,6 @@
         </p:nvSpPr>
         <p:spPr>
           <a:xfrm>
-            <a:off x="290945" y="327547"/>
-            <a:ext cx="9788236" cy="5816977"/>
-          </a:xfrm>
-          <a:prstGeom prst="rect">
-            <a:avLst/>
-          </a:prstGeom>
-          <a:noFill/>
-        </p:spPr>
-        <p:txBody>
-          <a:bodyPr wrap="square" rtlCol="0">
-            <a:spAutoFit/>
-          </a:bodyPr>
-          <a:lstStyle/>
-          <a:p>
-            <a:r>
-              <a:rPr lang="en-US" sz="3600" i="1" dirty="0"/>
-              <a:t>Configure Launchpad Service </a:t>
-            </a:r>
-          </a:p>
-          <a:p>
-            <a:endParaRPr lang="en-US" sz="2400" dirty="0"/>
-          </a:p>
-          <a:p>
-            <a:pPr marL="285750" indent="-285750">
-              <a:buFont typeface="Arial" panose="020B0604020202020204" pitchFamily="34" charset="0"/>
-              <a:buChar char="•"/>
-            </a:pPr>
-            <a:r>
-              <a:rPr lang="en-US" sz="2400" i="1" dirty="0"/>
-              <a:t>&lt;SQL installation path&gt;\</a:t>
-            </a:r>
-            <a:r>
-              <a:rPr lang="en-US" sz="2400" i="1" dirty="0" err="1"/>
-              <a:t>binn</a:t>
-            </a:r>
-            <a:r>
-              <a:rPr lang="en-US" sz="2400" i="1" dirty="0"/>
-              <a:t>\</a:t>
-            </a:r>
-            <a:r>
-              <a:rPr lang="en-US" sz="2400" i="1" dirty="0" err="1"/>
-              <a:t>Rlauncher.config</a:t>
-            </a:r>
-            <a:endParaRPr lang="en-US" sz="2400" i="1" dirty="0"/>
-          </a:p>
-          <a:p>
-            <a:pPr marL="285750" indent="-285750">
-              <a:buFont typeface="Arial" panose="020B0604020202020204" pitchFamily="34" charset="0"/>
-              <a:buChar char="•"/>
-            </a:pPr>
-            <a:endParaRPr lang="en-US" sz="2400" i="1" dirty="0"/>
-          </a:p>
-          <a:p>
-            <a:pPr marL="285750" indent="-285750">
-              <a:buFont typeface="Arial" panose="020B0604020202020204" pitchFamily="34" charset="0"/>
-              <a:buChar char="•"/>
-            </a:pPr>
-            <a:r>
-              <a:rPr lang="en-US" sz="2400" i="1" dirty="0"/>
-              <a:t>MEMORY_LIMIT_PERCENT (default is 20%)</a:t>
-            </a:r>
-          </a:p>
-          <a:p>
-            <a:pPr marL="285750" indent="-285750">
-              <a:buFont typeface="Arial" panose="020B0604020202020204" pitchFamily="34" charset="0"/>
-              <a:buChar char="•"/>
-            </a:pPr>
-            <a:endParaRPr lang="en-US" sz="2400" i="1" dirty="0"/>
-          </a:p>
-          <a:p>
-            <a:pPr marL="285750" indent="-285750">
-              <a:buFont typeface="Arial" panose="020B0604020202020204" pitchFamily="34" charset="0"/>
-              <a:buChar char="•"/>
-            </a:pPr>
-            <a:r>
-              <a:rPr lang="en-US" sz="2400" i="1" dirty="0"/>
-              <a:t>TRACE_LEVEL (default is 1)</a:t>
-            </a:r>
-          </a:p>
-          <a:p>
-            <a:pPr marL="285750" indent="-285750">
-              <a:buFont typeface="Arial" panose="020B0604020202020204" pitchFamily="34" charset="0"/>
-              <a:buChar char="•"/>
-            </a:pPr>
-            <a:endParaRPr lang="en-US" sz="2400" i="1" dirty="0"/>
-          </a:p>
-          <a:p>
-            <a:pPr marL="285750" indent="-285750">
-              <a:buFont typeface="Arial" panose="020B0604020202020204" pitchFamily="34" charset="0"/>
-              <a:buChar char="•"/>
-            </a:pPr>
-            <a:r>
-              <a:rPr lang="en-US" sz="2400" i="1" dirty="0"/>
-              <a:t>USER_POOL_SIZE (default is 0)</a:t>
-            </a:r>
-          </a:p>
-          <a:p>
-            <a:pPr marL="285750" indent="-285750">
-              <a:buFont typeface="Arial" panose="020B0604020202020204" pitchFamily="34" charset="0"/>
-              <a:buChar char="•"/>
-            </a:pPr>
-            <a:endParaRPr lang="en-US" sz="2400" i="1" dirty="0"/>
-          </a:p>
-          <a:p>
-            <a:pPr marL="285750" indent="-285750">
-              <a:buFont typeface="Arial" panose="020B0604020202020204" pitchFamily="34" charset="0"/>
-              <a:buChar char="•"/>
-            </a:pPr>
-            <a:r>
-              <a:rPr lang="en-US" sz="2400" i="1" dirty="0"/>
-              <a:t>Other settings -- MSDN says don’t change</a:t>
-            </a:r>
-          </a:p>
-          <a:p>
-            <a:pPr marL="742950" lvl="1" indent="-285750">
-              <a:buFont typeface="Arial" panose="020B0604020202020204" pitchFamily="34" charset="0"/>
-              <a:buChar char="•"/>
-            </a:pPr>
-            <a:r>
-              <a:rPr lang="en-US" sz="2400" i="1" dirty="0"/>
-              <a:t>WORKING_DIRECTORY – for R sessions</a:t>
-            </a:r>
-          </a:p>
-          <a:p>
-            <a:pPr marL="742950" lvl="1" indent="-285750">
-              <a:buFont typeface="Arial" panose="020B0604020202020204" pitchFamily="34" charset="0"/>
-              <a:buChar char="•"/>
-            </a:pPr>
-            <a:r>
-              <a:rPr lang="en-US" sz="2400" i="1" dirty="0"/>
-              <a:t>JOB_CLEANUP_ON_EXIT – default is 1</a:t>
-            </a:r>
-          </a:p>
-          <a:p>
-            <a:pPr marL="742950" lvl="1" indent="-285750">
-              <a:buFont typeface="Arial" panose="020B0604020202020204" pitchFamily="34" charset="0"/>
-              <a:buChar char="•"/>
-            </a:pPr>
-            <a:r>
-              <a:rPr lang="en-US" sz="2400" i="1" dirty="0"/>
-              <a:t>LOG_DIRECTORY --</a:t>
-            </a:r>
-          </a:p>
-          <a:p>
-            <a:pPr marL="742950" lvl="1" indent="-285750">
-              <a:buFont typeface="Arial" panose="020B0604020202020204" pitchFamily="34" charset="0"/>
-              <a:buChar char="•"/>
-            </a:pPr>
-            <a:r>
-              <a:rPr lang="en-US" sz="2400" i="1" dirty="0"/>
-              <a:t>RHOME, MPI_HOME – directories for RRO and MPI</a:t>
-            </a:r>
-          </a:p>
-        </p:txBody>
-      </p:sp>
-      <p:pic>
-        <p:nvPicPr>
-          <p:cNvPr id="9" name="Picture 8"/>
-          <p:cNvPicPr>
-            <a:picLocks noChangeAspect="1"/>
-          </p:cNvPicPr>
-          <p:nvPr/>
-        </p:nvPicPr>
-        <p:blipFill>
-          <a:blip r:embed="rId2">
-            <a:extLst>
-              <a:ext uri="{28A0092B-C50C-407E-A947-70E740481C1C}">
-                <a14:useLocalDpi xmlns:a14="http://schemas.microsoft.com/office/drawing/2010/main" val="0"/>
-              </a:ext>
-            </a:extLst>
-          </a:blip>
-          <a:stretch>
-            <a:fillRect/>
-          </a:stretch>
-        </p:blipFill>
-        <p:spPr>
-          <a:xfrm>
-            <a:off x="9941309" y="311450"/>
-            <a:ext cx="1737457" cy="1345550"/>
-          </a:xfrm>
-          <a:prstGeom prst="rect">
-            <a:avLst/>
-          </a:prstGeom>
-        </p:spPr>
-      </p:pic>
-    </p:spTree>
-    <p:extLst>
-      <p:ext uri="{BB962C8B-B14F-4D97-AF65-F5344CB8AC3E}">
-        <p14:creationId xmlns:p14="http://schemas.microsoft.com/office/powerpoint/2010/main" val="1034167651"/>
-      </p:ext>
-    </p:extLst>
-  </p:cSld>
-  <p:clrMapOvr>
-    <a:masterClrMapping/>
-  </p:clrMapOvr>
-</p:sld>
-</file>
-
-<file path=ppt/slides/slide33.xml><?xml version="1.0" encoding="utf-8"?>
-<p:sld xmlns:a="http://schemas.openxmlformats.org/drawingml/2006/main" xmlns:r="http://schemas.openxmlformats.org/officeDocument/2006/relationships" xmlns:p="http://schemas.openxmlformats.org/presentationml/2006/main">
-  <p:cSld>
-    <p:spTree>
-      <p:nvGrpSpPr>
-        <p:cNvPr id="1" name=""/>
-        <p:cNvGrpSpPr/>
-        <p:nvPr/>
-      </p:nvGrpSpPr>
-      <p:grpSpPr>
-        <a:xfrm>
-          <a:off x="0" y="0"/>
-          <a:ext cx="0" cy="0"/>
-          <a:chOff x="0" y="0"/>
-          <a:chExt cx="0" cy="0"/>
-        </a:xfrm>
-      </p:grpSpPr>
-      <p:sp>
-        <p:nvSpPr>
-          <p:cNvPr id="2" name="TextBox 1"/>
-          <p:cNvSpPr txBox="1"/>
-          <p:nvPr/>
-        </p:nvSpPr>
-        <p:spPr>
-          <a:xfrm>
-            <a:off x="290945" y="327547"/>
-            <a:ext cx="9788236" cy="4339650"/>
-          </a:xfrm>
-          <a:prstGeom prst="rect">
-            <a:avLst/>
-          </a:prstGeom>
-          <a:noFill/>
-        </p:spPr>
-        <p:txBody>
-          <a:bodyPr wrap="square" rtlCol="0">
-            <a:spAutoFit/>
-          </a:bodyPr>
-          <a:lstStyle/>
-          <a:p>
-            <a:r>
-              <a:rPr lang="en-US" sz="3600" i="1" dirty="0"/>
-              <a:t>Configure </a:t>
-            </a:r>
-            <a:r>
-              <a:rPr lang="en-US" sz="3600" i="1" dirty="0" err="1"/>
-              <a:t>RegisterRext.exe.config</a:t>
-            </a:r>
-            <a:r>
-              <a:rPr lang="en-US" sz="3600" i="1" dirty="0"/>
-              <a:t> </a:t>
-            </a:r>
-          </a:p>
-          <a:p>
-            <a:endParaRPr lang="en-US" sz="2400" dirty="0"/>
-          </a:p>
-          <a:p>
-            <a:pPr marL="285750" indent="-285750">
-              <a:buFont typeface="Arial" panose="020B0604020202020204" pitchFamily="34" charset="0"/>
-              <a:buChar char="•"/>
-            </a:pPr>
-            <a:r>
-              <a:rPr lang="en-US" sz="2400" i="1" dirty="0"/>
-              <a:t>C:\Program Files\Microsoft SQL Server\MSSQL13.MSSQLSERVER\R_SERVICES\library\</a:t>
-            </a:r>
-            <a:r>
-              <a:rPr lang="en-US" sz="2400" i="1" dirty="0" err="1"/>
-              <a:t>RevoScaleR</a:t>
-            </a:r>
-            <a:r>
-              <a:rPr lang="en-US" sz="2400" i="1" dirty="0"/>
-              <a:t>\</a:t>
-            </a:r>
-            <a:r>
-              <a:rPr lang="en-US" sz="2400" i="1" dirty="0" err="1"/>
-              <a:t>rxLibs</a:t>
-            </a:r>
-            <a:r>
-              <a:rPr lang="en-US" sz="2400" i="1" dirty="0"/>
-              <a:t>\x64\</a:t>
-            </a:r>
-            <a:r>
-              <a:rPr lang="en-US" sz="2400" i="1" dirty="0" err="1"/>
-              <a:t>RegisterRext.exe.config</a:t>
-            </a:r>
-            <a:endParaRPr lang="en-US" sz="2400" i="1" dirty="0"/>
-          </a:p>
-          <a:p>
-            <a:pPr marL="285750" indent="-285750">
-              <a:buFont typeface="Arial" panose="020B0604020202020204" pitchFamily="34" charset="0"/>
-              <a:buChar char="•"/>
-            </a:pPr>
-            <a:endParaRPr lang="en-US" sz="2400" i="1" dirty="0"/>
-          </a:p>
-          <a:p>
-            <a:pPr marL="285750" indent="-285750">
-              <a:buFont typeface="Arial" panose="020B0604020202020204" pitchFamily="34" charset="0"/>
-              <a:buChar char="•"/>
-            </a:pPr>
-            <a:r>
-              <a:rPr lang="en-US" sz="2400" i="1" dirty="0"/>
-              <a:t>&lt;add key="</a:t>
-            </a:r>
-            <a:r>
-              <a:rPr lang="en-US" sz="2400" i="1" dirty="0" err="1"/>
-              <a:t>UserAccountPoolSize</a:t>
-            </a:r>
-            <a:r>
-              <a:rPr lang="en-US" sz="2400" i="1" dirty="0"/>
-              <a:t>" value="20" /&gt;</a:t>
-            </a:r>
-          </a:p>
-          <a:p>
-            <a:pPr marL="285750" indent="-285750">
-              <a:buFont typeface="Arial" panose="020B0604020202020204" pitchFamily="34" charset="0"/>
-              <a:buChar char="•"/>
-            </a:pPr>
-            <a:endParaRPr lang="en-US" sz="2400" i="1" dirty="0"/>
-          </a:p>
-          <a:p>
-            <a:pPr marL="285750" indent="-285750">
-              <a:buFont typeface="Arial" panose="020B0604020202020204" pitchFamily="34" charset="0"/>
-              <a:buChar char="•"/>
-            </a:pPr>
-            <a:r>
-              <a:rPr lang="en-US" sz="2400" i="1" dirty="0"/>
-              <a:t>Rerun registerRext.exe /uninstall (if you’re already run it once)</a:t>
-            </a:r>
-          </a:p>
-          <a:p>
-            <a:pPr marL="285750" indent="-285750">
-              <a:buFont typeface="Arial" panose="020B0604020202020204" pitchFamily="34" charset="0"/>
-              <a:buChar char="•"/>
-            </a:pPr>
-            <a:endParaRPr lang="en-US" sz="2400" i="1" dirty="0"/>
-          </a:p>
-          <a:p>
-            <a:pPr marL="285750" indent="-285750">
-              <a:buFont typeface="Arial" panose="020B0604020202020204" pitchFamily="34" charset="0"/>
-              <a:buChar char="•"/>
-            </a:pPr>
-            <a:r>
-              <a:rPr lang="en-US" sz="2400" i="1" dirty="0"/>
-              <a:t>Rerun registerRext.exe /install</a:t>
-            </a:r>
-          </a:p>
-        </p:txBody>
-      </p:sp>
-      <p:pic>
-        <p:nvPicPr>
-          <p:cNvPr id="9" name="Picture 8"/>
-          <p:cNvPicPr>
-            <a:picLocks noChangeAspect="1"/>
-          </p:cNvPicPr>
-          <p:nvPr/>
-        </p:nvPicPr>
-        <p:blipFill>
-          <a:blip r:embed="rId2">
-            <a:extLst>
-              <a:ext uri="{28A0092B-C50C-407E-A947-70E740481C1C}">
-                <a14:useLocalDpi xmlns:a14="http://schemas.microsoft.com/office/drawing/2010/main" val="0"/>
-              </a:ext>
-            </a:extLst>
-          </a:blip>
-          <a:stretch>
-            <a:fillRect/>
-          </a:stretch>
-        </p:blipFill>
-        <p:spPr>
-          <a:xfrm>
-            <a:off x="9941309" y="311450"/>
-            <a:ext cx="1737457" cy="1345550"/>
-          </a:xfrm>
-          <a:prstGeom prst="rect">
-            <a:avLst/>
-          </a:prstGeom>
-        </p:spPr>
-      </p:pic>
-    </p:spTree>
-    <p:extLst>
-      <p:ext uri="{BB962C8B-B14F-4D97-AF65-F5344CB8AC3E}">
-        <p14:creationId xmlns:p14="http://schemas.microsoft.com/office/powerpoint/2010/main" val="3591440731"/>
-      </p:ext>
-    </p:extLst>
-  </p:cSld>
-  <p:clrMapOvr>
-    <a:masterClrMapping/>
-  </p:clrMapOvr>
-</p:sld>
-</file>
-
-<file path=ppt/slides/slide34.xml><?xml version="1.0" encoding="utf-8"?>
-<p:sld xmlns:a="http://schemas.openxmlformats.org/drawingml/2006/main" xmlns:r="http://schemas.openxmlformats.org/officeDocument/2006/relationships" xmlns:p="http://schemas.openxmlformats.org/presentationml/2006/main">
-  <p:cSld>
-    <p:spTree>
-      <p:nvGrpSpPr>
-        <p:cNvPr id="1" name=""/>
-        <p:cNvGrpSpPr/>
-        <p:nvPr/>
-      </p:nvGrpSpPr>
-      <p:grpSpPr>
-        <a:xfrm>
-          <a:off x="0" y="0"/>
-          <a:ext cx="0" cy="0"/>
-          <a:chOff x="0" y="0"/>
-          <a:chExt cx="0" cy="0"/>
-        </a:xfrm>
-      </p:grpSpPr>
-      <p:sp>
-        <p:nvSpPr>
-          <p:cNvPr id="2" name="TextBox 1"/>
-          <p:cNvSpPr txBox="1"/>
-          <p:nvPr/>
-        </p:nvSpPr>
-        <p:spPr>
-          <a:xfrm>
-            <a:off x="316170" y="327547"/>
-            <a:ext cx="9788236" cy="646331"/>
-          </a:xfrm>
-          <a:prstGeom prst="rect">
-            <a:avLst/>
-          </a:prstGeom>
-          <a:noFill/>
-        </p:spPr>
-        <p:txBody>
-          <a:bodyPr wrap="square" rtlCol="0">
-            <a:spAutoFit/>
-          </a:bodyPr>
-          <a:lstStyle/>
-          <a:p>
-            <a:r>
-              <a:rPr lang="en-US" sz="3600" i="1" dirty="0"/>
-              <a:t>Configure </a:t>
-            </a:r>
-            <a:r>
-              <a:rPr lang="en-US" sz="3600" i="1" dirty="0" err="1"/>
-              <a:t>RegisterRext.exe.config</a:t>
-            </a:r>
-            <a:endParaRPr lang="en-US" sz="2400" dirty="0"/>
-          </a:p>
-        </p:txBody>
-      </p:sp>
-      <p:pic>
-        <p:nvPicPr>
-          <p:cNvPr id="9" name="Picture 8"/>
-          <p:cNvPicPr>
-            <a:picLocks noChangeAspect="1"/>
-          </p:cNvPicPr>
-          <p:nvPr/>
-        </p:nvPicPr>
-        <p:blipFill>
-          <a:blip r:embed="rId2"/>
-          <a:stretch>
-            <a:fillRect/>
-          </a:stretch>
-        </p:blipFill>
-        <p:spPr>
-          <a:xfrm>
-            <a:off x="4237770" y="1296974"/>
-            <a:ext cx="4445877" cy="5100946"/>
-          </a:xfrm>
-          <a:prstGeom prst="rect">
-            <a:avLst/>
-          </a:prstGeom>
-        </p:spPr>
-      </p:pic>
-      <p:sp>
-        <p:nvSpPr>
-          <p:cNvPr id="10" name="TextBox 9"/>
-          <p:cNvSpPr txBox="1"/>
-          <p:nvPr/>
-        </p:nvSpPr>
-        <p:spPr>
-          <a:xfrm>
-            <a:off x="1563939" y="2099967"/>
-            <a:ext cx="1910781" cy="2308324"/>
-          </a:xfrm>
-          <a:prstGeom prst="rect">
-            <a:avLst/>
-          </a:prstGeom>
-          <a:noFill/>
-        </p:spPr>
-        <p:txBody>
-          <a:bodyPr wrap="square" rtlCol="0">
-            <a:spAutoFit/>
-          </a:bodyPr>
-          <a:lstStyle/>
-          <a:p>
-            <a:r>
-              <a:rPr lang="en-US" sz="4800" dirty="0">
-                <a:solidFill>
-                  <a:schemeClr val="accent1">
-                    <a:lumMod val="50000"/>
-                  </a:schemeClr>
-                </a:solidFill>
-              </a:rPr>
-              <a:t>The Easy Button</a:t>
-            </a:r>
-          </a:p>
-        </p:txBody>
-      </p:sp>
-      <p:pic>
-        <p:nvPicPr>
-          <p:cNvPr id="11" name="Picture 10"/>
-          <p:cNvPicPr>
-            <a:picLocks noChangeAspect="1"/>
-          </p:cNvPicPr>
-          <p:nvPr/>
-        </p:nvPicPr>
-        <p:blipFill>
-          <a:blip r:embed="rId3">
-            <a:extLst>
-              <a:ext uri="{28A0092B-C50C-407E-A947-70E740481C1C}">
-                <a14:useLocalDpi xmlns:a14="http://schemas.microsoft.com/office/drawing/2010/main" val="0"/>
-              </a:ext>
-            </a:extLst>
-          </a:blip>
-          <a:stretch>
-            <a:fillRect/>
-          </a:stretch>
-        </p:blipFill>
-        <p:spPr>
-          <a:xfrm>
-            <a:off x="9941309" y="311450"/>
-            <a:ext cx="1737457" cy="1345550"/>
-          </a:xfrm>
-          <a:prstGeom prst="rect">
-            <a:avLst/>
-          </a:prstGeom>
-        </p:spPr>
-      </p:pic>
-    </p:spTree>
-    <p:extLst>
-      <p:ext uri="{BB962C8B-B14F-4D97-AF65-F5344CB8AC3E}">
-        <p14:creationId xmlns:p14="http://schemas.microsoft.com/office/powerpoint/2010/main" val="2726245880"/>
-      </p:ext>
-    </p:extLst>
-  </p:cSld>
-  <p:clrMapOvr>
-    <a:masterClrMapping/>
-  </p:clrMapOvr>
-</p:sld>
-</file>
-
-<file path=ppt/slides/slide35.xml><?xml version="1.0" encoding="utf-8"?>
-<p:sld xmlns:a="http://schemas.openxmlformats.org/drawingml/2006/main" xmlns:r="http://schemas.openxmlformats.org/officeDocument/2006/relationships" xmlns:p="http://schemas.openxmlformats.org/presentationml/2006/main">
-  <p:cSld>
-    <p:spTree>
-      <p:nvGrpSpPr>
-        <p:cNvPr id="1" name=""/>
-        <p:cNvGrpSpPr/>
-        <p:nvPr/>
-      </p:nvGrpSpPr>
-      <p:grpSpPr>
-        <a:xfrm>
-          <a:off x="0" y="0"/>
-          <a:ext cx="0" cy="0"/>
-          <a:chOff x="0" y="0"/>
-          <a:chExt cx="0" cy="0"/>
-        </a:xfrm>
-      </p:grpSpPr>
-      <p:sp>
-        <p:nvSpPr>
-          <p:cNvPr id="2" name="TextBox 1"/>
-          <p:cNvSpPr txBox="1"/>
-          <p:nvPr/>
-        </p:nvSpPr>
-        <p:spPr>
-          <a:xfrm>
             <a:off x="290944" y="327547"/>
             <a:ext cx="10141631" cy="2492990"/>
           </a:xfrm>
@@ -27865,7 +27192,7 @@
 </p:sld>
 </file>
 
-<file path=ppt/slides/slide36.xml><?xml version="1.0" encoding="utf-8"?>
+<file path=ppt/slides/slide33.xml><?xml version="1.0" encoding="utf-8"?>
 <p:sld xmlns:a="http://schemas.openxmlformats.org/drawingml/2006/main" xmlns:r="http://schemas.openxmlformats.org/officeDocument/2006/relationships" xmlns:p="http://schemas.openxmlformats.org/presentationml/2006/main">
   <p:cSld>
     <p:spTree>
@@ -28123,7 +27450,7 @@
 </p:sld>
 </file>
 
-<file path=ppt/slides/slide37.xml><?xml version="1.0" encoding="utf-8"?>
+<file path=ppt/slides/slide34.xml><?xml version="1.0" encoding="utf-8"?>
 <p:sld xmlns:a="http://schemas.openxmlformats.org/drawingml/2006/main" xmlns:r="http://schemas.openxmlformats.org/officeDocument/2006/relationships" xmlns:p="http://schemas.openxmlformats.org/presentationml/2006/main">
   <p:cSld>
     <p:spTree>
@@ -28371,7 +27698,7 @@
 </p:sld>
 </file>
 
-<file path=ppt/slides/slide38.xml><?xml version="1.0" encoding="utf-8"?>
+<file path=ppt/slides/slide35.xml><?xml version="1.0" encoding="utf-8"?>
 <p:sld xmlns:a="http://schemas.openxmlformats.org/drawingml/2006/main" xmlns:r="http://schemas.openxmlformats.org/officeDocument/2006/relationships" xmlns:p="http://schemas.openxmlformats.org/presentationml/2006/main">
   <p:cSld>
     <p:spTree>
@@ -28460,7 +27787,7 @@
 </p:sld>
 </file>
 
-<file path=ppt/slides/slide39.xml><?xml version="1.0" encoding="utf-8"?>
+<file path=ppt/slides/slide36.xml><?xml version="1.0" encoding="utf-8"?>
 <p:sld xmlns:a="http://schemas.openxmlformats.org/drawingml/2006/main" xmlns:r="http://schemas.openxmlformats.org/officeDocument/2006/relationships" xmlns:p="http://schemas.openxmlformats.org/presentationml/2006/main">
   <p:cSld>
     <p:spTree>
@@ -28652,6 +27979,689 @@
     <p:extLst>
       <p:ext uri="{BB962C8B-B14F-4D97-AF65-F5344CB8AC3E}">
         <p14:creationId xmlns:p14="http://schemas.microsoft.com/office/powerpoint/2010/main" val="798354270"/>
+      </p:ext>
+    </p:extLst>
+  </p:cSld>
+  <p:clrMapOvr>
+    <a:masterClrMapping/>
+  </p:clrMapOvr>
+</p:sld>
+</file>
+
+<file path=ppt/slides/slide37.xml><?xml version="1.0" encoding="utf-8"?>
+<p:sld xmlns:a="http://schemas.openxmlformats.org/drawingml/2006/main" xmlns:r="http://schemas.openxmlformats.org/officeDocument/2006/relationships" xmlns:p="http://schemas.openxmlformats.org/presentationml/2006/main">
+  <p:cSld>
+    <p:spTree>
+      <p:nvGrpSpPr>
+        <p:cNvPr id="1" name=""/>
+        <p:cNvGrpSpPr/>
+        <p:nvPr/>
+      </p:nvGrpSpPr>
+      <p:grpSpPr>
+        <a:xfrm>
+          <a:off x="0" y="0"/>
+          <a:ext cx="0" cy="0"/>
+          <a:chOff x="0" y="0"/>
+          <a:chExt cx="0" cy="0"/>
+        </a:xfrm>
+      </p:grpSpPr>
+      <p:sp>
+        <p:nvSpPr>
+          <p:cNvPr id="9" name="TextBox 8"/>
+          <p:cNvSpPr txBox="1"/>
+          <p:nvPr/>
+        </p:nvSpPr>
+        <p:spPr>
+          <a:xfrm>
+            <a:off x="268358" y="79858"/>
+            <a:ext cx="10505412" cy="6678751"/>
+          </a:xfrm>
+          <a:prstGeom prst="rect">
+            <a:avLst/>
+          </a:prstGeom>
+          <a:noFill/>
+        </p:spPr>
+        <p:txBody>
+          <a:bodyPr wrap="square" rtlCol="0">
+            <a:spAutoFit/>
+          </a:bodyPr>
+          <a:lstStyle/>
+          <a:p>
+            <a:r>
+              <a:rPr lang="en-US" sz="3600" i="1" dirty="0"/>
+              <a:t>Summary - 2</a:t>
+            </a:r>
+          </a:p>
+          <a:p>
+            <a:pPr marL="571500" indent="-571500">
+              <a:buFont typeface="Arial" panose="020B0604020202020204" pitchFamily="34" charset="0"/>
+              <a:buChar char="•"/>
+            </a:pPr>
+            <a:endParaRPr lang="en-US" sz="2800" i="1" dirty="0"/>
+          </a:p>
+          <a:p>
+            <a:pPr marL="457200" indent="-457200">
+              <a:buFont typeface="Arial" panose="020B0604020202020204" pitchFamily="34" charset="0"/>
+              <a:buChar char="•"/>
+            </a:pPr>
+            <a:r>
+              <a:rPr lang="en-US" sz="2800" i="1" dirty="0"/>
+              <a:t>Choose R (In Database)feature during SQL install</a:t>
+            </a:r>
+          </a:p>
+          <a:p>
+            <a:pPr marL="457200" indent="-457200">
+              <a:buFont typeface="Arial" panose="020B0604020202020204" pitchFamily="34" charset="0"/>
+              <a:buChar char="•"/>
+            </a:pPr>
+            <a:endParaRPr lang="en-US" sz="2800" i="1" dirty="0"/>
+          </a:p>
+          <a:p>
+            <a:pPr marL="457200" indent="-457200">
+              <a:buFont typeface="Arial" panose="020B0604020202020204" pitchFamily="34" charset="0"/>
+              <a:buChar char="•"/>
+            </a:pPr>
+            <a:r>
+              <a:rPr lang="en-US" sz="2800" i="1" dirty="0"/>
+              <a:t>Install RRO and RRE (before </a:t>
+            </a:r>
+            <a:r>
+              <a:rPr lang="en-US" sz="2800" i="1"/>
+              <a:t>RC2 or </a:t>
+            </a:r>
+            <a:r>
+              <a:rPr lang="en-US" sz="2800" i="1" dirty="0"/>
+              <a:t>if server has </a:t>
+            </a:r>
+            <a:r>
+              <a:rPr lang="en-US" sz="2800" i="1"/>
+              <a:t>no internet)</a:t>
+            </a:r>
+            <a:endParaRPr lang="en-US" sz="2800" i="1" dirty="0"/>
+          </a:p>
+          <a:p>
+            <a:pPr marL="457200" indent="-457200">
+              <a:buFont typeface="Arial" panose="020B0604020202020204" pitchFamily="34" charset="0"/>
+              <a:buChar char="•"/>
+            </a:pPr>
+            <a:endParaRPr lang="en-US" sz="2800" i="1" dirty="0"/>
+          </a:p>
+          <a:p>
+            <a:pPr marL="457200" indent="-457200">
+              <a:buFont typeface="Arial" panose="020B0604020202020204" pitchFamily="34" charset="0"/>
+              <a:buChar char="•"/>
+            </a:pPr>
+            <a:r>
+              <a:rPr lang="en-US" sz="2800" i="1" dirty="0" err="1"/>
+              <a:t>Sp_configure</a:t>
+            </a:r>
+            <a:r>
+              <a:rPr lang="en-US" sz="2800" i="1" dirty="0"/>
+              <a:t> ‘</a:t>
+            </a:r>
+            <a:r>
+              <a:rPr lang="en-US" sz="2800" i="1" dirty="0" err="1"/>
+              <a:t>external_scripts_enabled</a:t>
+            </a:r>
+            <a:r>
+              <a:rPr lang="en-US" sz="2800" i="1" dirty="0"/>
+              <a:t>’, 1</a:t>
+            </a:r>
+          </a:p>
+          <a:p>
+            <a:pPr marL="571500" indent="-571500">
+              <a:buFont typeface="Arial" panose="020B0604020202020204" pitchFamily="34" charset="0"/>
+              <a:buChar char="•"/>
+            </a:pPr>
+            <a:endParaRPr lang="en-US" sz="2800" i="1" dirty="0"/>
+          </a:p>
+          <a:p>
+            <a:pPr marL="457200" indent="-457200">
+              <a:buFont typeface="Arial" panose="020B0604020202020204" pitchFamily="34" charset="0"/>
+              <a:buChar char="•"/>
+            </a:pPr>
+            <a:r>
+              <a:rPr lang="en-US" sz="2800" i="1" dirty="0"/>
+              <a:t>Configure </a:t>
+            </a:r>
+            <a:r>
+              <a:rPr lang="en-US" sz="2800" i="1" dirty="0" err="1"/>
+              <a:t>Rlaunchpad</a:t>
+            </a:r>
+            <a:r>
+              <a:rPr lang="en-US" sz="2800" i="1" dirty="0"/>
+              <a:t> for memory</a:t>
+            </a:r>
+          </a:p>
+          <a:p>
+            <a:pPr marL="457200" indent="-457200">
+              <a:buFont typeface="Arial" panose="020B0604020202020204" pitchFamily="34" charset="0"/>
+              <a:buChar char="•"/>
+            </a:pPr>
+            <a:endParaRPr lang="en-US" sz="2800" i="1" dirty="0"/>
+          </a:p>
+          <a:p>
+            <a:pPr marL="457200" indent="-457200">
+              <a:buFont typeface="Arial" panose="020B0604020202020204" pitchFamily="34" charset="0"/>
+              <a:buChar char="•"/>
+            </a:pPr>
+            <a:r>
+              <a:rPr lang="en-US" sz="2800" i="1" dirty="0"/>
+              <a:t>Configure </a:t>
+            </a:r>
+            <a:r>
+              <a:rPr lang="en-US" sz="2800" i="1" dirty="0" err="1"/>
+              <a:t>RegisterRext.exe.config</a:t>
+            </a:r>
+            <a:r>
+              <a:rPr lang="en-US" sz="2800" i="1" dirty="0"/>
+              <a:t> for user account sessions </a:t>
+            </a:r>
+          </a:p>
+          <a:p>
+            <a:pPr marL="571500" indent="-571500">
+              <a:buFont typeface="Arial" panose="020B0604020202020204" pitchFamily="34" charset="0"/>
+              <a:buChar char="•"/>
+            </a:pPr>
+            <a:endParaRPr lang="en-US" sz="2800" i="1" dirty="0"/>
+          </a:p>
+          <a:p>
+            <a:pPr marL="457200" indent="-457200">
+              <a:buFont typeface="Arial" panose="020B0604020202020204" pitchFamily="34" charset="0"/>
+              <a:buChar char="•"/>
+            </a:pPr>
+            <a:r>
+              <a:rPr lang="en-US" sz="2800" i="1" dirty="0"/>
+              <a:t>Run R code through </a:t>
+            </a:r>
+            <a:r>
+              <a:rPr lang="en-US" sz="2800" i="1" dirty="0" err="1"/>
+              <a:t>sp_execute_external_script</a:t>
+            </a:r>
+            <a:endParaRPr lang="en-US" sz="2800" i="1" dirty="0"/>
+          </a:p>
+          <a:p>
+            <a:pPr marL="914400" lvl="1" indent="-457200">
+              <a:buFont typeface="Arial" panose="020B0604020202020204" pitchFamily="34" charset="0"/>
+              <a:buChar char="•"/>
+            </a:pPr>
+            <a:r>
+              <a:rPr lang="en-US" sz="2800" i="1" dirty="0"/>
+              <a:t>Only 1 input and 1output</a:t>
+            </a:r>
+          </a:p>
+          <a:p>
+            <a:pPr marL="914400" lvl="1" indent="-457200">
+              <a:buFont typeface="Arial" panose="020B0604020202020204" pitchFamily="34" charset="0"/>
+              <a:buChar char="•"/>
+            </a:pPr>
+            <a:r>
+              <a:rPr lang="en-US" sz="2800" i="1" dirty="0"/>
+              <a:t>R must return data frame </a:t>
+            </a:r>
+            <a:endParaRPr lang="en-US" sz="3200" i="1" dirty="0"/>
+          </a:p>
+        </p:txBody>
+      </p:sp>
+      <p:pic>
+        <p:nvPicPr>
+          <p:cNvPr id="10" name="Picture 9"/>
+          <p:cNvPicPr>
+            <a:picLocks noChangeAspect="1"/>
+          </p:cNvPicPr>
+          <p:nvPr/>
+        </p:nvPicPr>
+        <p:blipFill>
+          <a:blip r:embed="rId2">
+            <a:extLst>
+              <a:ext uri="{28A0092B-C50C-407E-A947-70E740481C1C}">
+                <a14:useLocalDpi xmlns:a14="http://schemas.microsoft.com/office/drawing/2010/main" val="0"/>
+              </a:ext>
+            </a:extLst>
+          </a:blip>
+          <a:stretch>
+            <a:fillRect/>
+          </a:stretch>
+        </p:blipFill>
+        <p:spPr>
+          <a:xfrm>
+            <a:off x="9941309" y="311450"/>
+            <a:ext cx="1737457" cy="1345550"/>
+          </a:xfrm>
+          <a:prstGeom prst="rect">
+            <a:avLst/>
+          </a:prstGeom>
+        </p:spPr>
+      </p:pic>
+    </p:spTree>
+    <p:extLst>
+      <p:ext uri="{BB962C8B-B14F-4D97-AF65-F5344CB8AC3E}">
+        <p14:creationId xmlns:p14="http://schemas.microsoft.com/office/powerpoint/2010/main" val="4224310888"/>
+      </p:ext>
+    </p:extLst>
+  </p:cSld>
+  <p:clrMapOvr>
+    <a:masterClrMapping/>
+  </p:clrMapOvr>
+</p:sld>
+</file>
+
+<file path=ppt/slides/slide38.xml><?xml version="1.0" encoding="utf-8"?>
+<p:sld xmlns:a="http://schemas.openxmlformats.org/drawingml/2006/main" xmlns:r="http://schemas.openxmlformats.org/officeDocument/2006/relationships" xmlns:p="http://schemas.openxmlformats.org/presentationml/2006/main" showMasterSp="0">
+  <p:cSld>
+    <p:spTree>
+      <p:nvGrpSpPr>
+        <p:cNvPr id="1" name=""/>
+        <p:cNvGrpSpPr/>
+        <p:nvPr/>
+      </p:nvGrpSpPr>
+      <p:grpSpPr>
+        <a:xfrm>
+          <a:off x="0" y="0"/>
+          <a:ext cx="0" cy="0"/>
+          <a:chOff x="0" y="0"/>
+          <a:chExt cx="0" cy="0"/>
+        </a:xfrm>
+      </p:grpSpPr>
+      <p:sp>
+        <p:nvSpPr>
+          <p:cNvPr id="3" name="TextBox 2"/>
+          <p:cNvSpPr txBox="1"/>
+          <p:nvPr/>
+        </p:nvSpPr>
+        <p:spPr>
+          <a:xfrm>
+            <a:off x="3815409" y="327547"/>
+            <a:ext cx="4143024" cy="584775"/>
+          </a:xfrm>
+          <a:prstGeom prst="rect">
+            <a:avLst/>
+          </a:prstGeom>
+          <a:noFill/>
+        </p:spPr>
+        <p:txBody>
+          <a:bodyPr wrap="square" rtlCol="0">
+            <a:spAutoFit/>
+          </a:bodyPr>
+          <a:lstStyle/>
+          <a:p>
+            <a:r>
+              <a:rPr lang="en-US" sz="3200" dirty="0"/>
+              <a:t>Base R References</a:t>
+            </a:r>
+          </a:p>
+        </p:txBody>
+      </p:sp>
+      <p:sp>
+        <p:nvSpPr>
+          <p:cNvPr id="2" name="TextBox 1"/>
+          <p:cNvSpPr txBox="1"/>
+          <p:nvPr/>
+        </p:nvSpPr>
+        <p:spPr>
+          <a:xfrm>
+            <a:off x="385010" y="1119799"/>
+            <a:ext cx="6438306" cy="5632311"/>
+          </a:xfrm>
+          <a:prstGeom prst="rect">
+            <a:avLst/>
+          </a:prstGeom>
+          <a:noFill/>
+        </p:spPr>
+        <p:txBody>
+          <a:bodyPr wrap="square" rtlCol="0">
+            <a:spAutoFit/>
+          </a:bodyPr>
+          <a:lstStyle/>
+          <a:p>
+            <a:r>
+              <a:rPr lang="en-US" sz="2400" dirty="0"/>
+              <a:t>Comprehensive R Archive Network (CRAN)</a:t>
+            </a:r>
+            <a:br>
+              <a:rPr lang="en-US" sz="2400" dirty="0"/>
+            </a:br>
+            <a:r>
+              <a:rPr lang="en-US" sz="2400" dirty="0">
+                <a:hlinkClick r:id="rId3"/>
+              </a:rPr>
+              <a:t>https://www.cran.r-project.org/</a:t>
+            </a:r>
+            <a:endParaRPr lang="en-US" sz="2400" dirty="0"/>
+          </a:p>
+          <a:p>
+            <a:endParaRPr lang="en-US" sz="2400" dirty="0"/>
+          </a:p>
+          <a:p>
+            <a:r>
+              <a:rPr lang="en-US" sz="2400" dirty="0"/>
+              <a:t>R Tutorial</a:t>
+            </a:r>
+            <a:br>
+              <a:rPr lang="en-US" sz="2400" dirty="0"/>
+            </a:br>
+            <a:r>
+              <a:rPr lang="en-US" sz="2400" dirty="0">
+                <a:hlinkClick r:id="rId4"/>
+              </a:rPr>
+              <a:t>https://cran.r-project.org/doc/manuals/R-intro.html</a:t>
+            </a:r>
+            <a:endParaRPr lang="en-US" sz="2400" dirty="0"/>
+          </a:p>
+          <a:p>
+            <a:endParaRPr lang="en-US" sz="2400" dirty="0"/>
+          </a:p>
+          <a:p>
+            <a:r>
+              <a:rPr lang="en-US" sz="2400" dirty="0"/>
+              <a:t>R </a:t>
+            </a:r>
+            <a:r>
+              <a:rPr lang="en-US" sz="2400" dirty="0" err="1"/>
+              <a:t>Cheatsheets</a:t>
+            </a:r>
+            <a:br>
+              <a:rPr lang="en-US" sz="2400" dirty="0"/>
+            </a:br>
+            <a:r>
+              <a:rPr lang="en-US" sz="2400" dirty="0">
+                <a:hlinkClick r:id="rId5"/>
+              </a:rPr>
+              <a:t>https://www.rstudio.com/resources/cheatsheets/</a:t>
+            </a:r>
+            <a:endParaRPr lang="en-US" sz="2400" dirty="0"/>
+          </a:p>
+          <a:p>
+            <a:endParaRPr lang="en-US" sz="2400" dirty="0"/>
+          </a:p>
+          <a:p>
+            <a:r>
+              <a:rPr lang="en-US" sz="2400" dirty="0"/>
+              <a:t>R-bloggers</a:t>
+            </a:r>
+            <a:br>
+              <a:rPr lang="en-US" sz="2400" dirty="0"/>
+            </a:br>
+            <a:r>
+              <a:rPr lang="en-US" sz="2400" dirty="0">
+                <a:hlinkClick r:id="rId6"/>
+              </a:rPr>
+              <a:t>https://www.r-bloggers.com/</a:t>
+            </a:r>
+            <a:endParaRPr lang="en-US" sz="2400" dirty="0"/>
+          </a:p>
+          <a:p>
+            <a:endParaRPr lang="en-US" sz="2400" dirty="0"/>
+          </a:p>
+          <a:p>
+            <a:r>
+              <a:rPr lang="en-US" sz="2400" dirty="0"/>
+              <a:t>R Exercises</a:t>
+            </a:r>
+            <a:br>
+              <a:rPr lang="en-US" sz="2400" dirty="0"/>
+            </a:br>
+            <a:r>
+              <a:rPr lang="en-US" sz="2400" dirty="0">
+                <a:hlinkClick r:id="rId7"/>
+              </a:rPr>
+              <a:t>http://www.r-exercises.com/</a:t>
+            </a:r>
+            <a:endParaRPr lang="en-US" sz="2400" dirty="0"/>
+          </a:p>
+          <a:p>
+            <a:endParaRPr lang="en-US" sz="2400" dirty="0"/>
+          </a:p>
+        </p:txBody>
+      </p:sp>
+      <p:pic>
+        <p:nvPicPr>
+          <p:cNvPr id="9" name="Picture 8"/>
+          <p:cNvPicPr>
+            <a:picLocks noChangeAspect="1"/>
+          </p:cNvPicPr>
+          <p:nvPr/>
+        </p:nvPicPr>
+        <p:blipFill>
+          <a:blip r:embed="rId8">
+            <a:extLst>
+              <a:ext uri="{28A0092B-C50C-407E-A947-70E740481C1C}">
+                <a14:useLocalDpi xmlns:a14="http://schemas.microsoft.com/office/drawing/2010/main" val="0"/>
+              </a:ext>
+            </a:extLst>
+          </a:blip>
+          <a:stretch>
+            <a:fillRect/>
+          </a:stretch>
+        </p:blipFill>
+        <p:spPr>
+          <a:xfrm>
+            <a:off x="9941309" y="311450"/>
+            <a:ext cx="1737457" cy="1345550"/>
+          </a:xfrm>
+          <a:prstGeom prst="rect">
+            <a:avLst/>
+          </a:prstGeom>
+        </p:spPr>
+      </p:pic>
+    </p:spTree>
+    <p:extLst>
+      <p:ext uri="{BB962C8B-B14F-4D97-AF65-F5344CB8AC3E}">
+        <p14:creationId xmlns:p14="http://schemas.microsoft.com/office/powerpoint/2010/main" val="2831807291"/>
+      </p:ext>
+    </p:extLst>
+  </p:cSld>
+  <p:clrMapOvr>
+    <a:masterClrMapping/>
+  </p:clrMapOvr>
+</p:sld>
+</file>
+
+<file path=ppt/slides/slide39.xml><?xml version="1.0" encoding="utf-8"?>
+<p:sld xmlns:a="http://schemas.openxmlformats.org/drawingml/2006/main" xmlns:r="http://schemas.openxmlformats.org/officeDocument/2006/relationships" xmlns:p="http://schemas.openxmlformats.org/presentationml/2006/main" showMasterSp="0">
+  <p:cSld>
+    <p:spTree>
+      <p:nvGrpSpPr>
+        <p:cNvPr id="1" name=""/>
+        <p:cNvGrpSpPr/>
+        <p:nvPr/>
+      </p:nvGrpSpPr>
+      <p:grpSpPr>
+        <a:xfrm>
+          <a:off x="0" y="0"/>
+          <a:ext cx="0" cy="0"/>
+          <a:chOff x="0" y="0"/>
+          <a:chExt cx="0" cy="0"/>
+        </a:xfrm>
+      </p:grpSpPr>
+      <p:sp>
+        <p:nvSpPr>
+          <p:cNvPr id="3" name="TextBox 2"/>
+          <p:cNvSpPr txBox="1"/>
+          <p:nvPr/>
+        </p:nvSpPr>
+        <p:spPr>
+          <a:xfrm>
+            <a:off x="3238939" y="311450"/>
+            <a:ext cx="5199382" cy="584775"/>
+          </a:xfrm>
+          <a:prstGeom prst="rect">
+            <a:avLst/>
+          </a:prstGeom>
+          <a:noFill/>
+        </p:spPr>
+        <p:txBody>
+          <a:bodyPr wrap="square" rtlCol="0">
+            <a:spAutoFit/>
+          </a:bodyPr>
+          <a:lstStyle/>
+          <a:p>
+            <a:r>
+              <a:rPr lang="en-US" sz="3200" dirty="0"/>
+              <a:t>Microsoft R Open References</a:t>
+            </a:r>
+          </a:p>
+        </p:txBody>
+      </p:sp>
+      <p:sp>
+        <p:nvSpPr>
+          <p:cNvPr id="2" name="TextBox 1"/>
+          <p:cNvSpPr txBox="1"/>
+          <p:nvPr/>
+        </p:nvSpPr>
+        <p:spPr>
+          <a:xfrm>
+            <a:off x="490780" y="1073500"/>
+            <a:ext cx="10156748" cy="5632311"/>
+          </a:xfrm>
+          <a:prstGeom prst="rect">
+            <a:avLst/>
+          </a:prstGeom>
+          <a:noFill/>
+        </p:spPr>
+        <p:txBody>
+          <a:bodyPr wrap="square" rtlCol="0">
+            <a:spAutoFit/>
+          </a:bodyPr>
+          <a:lstStyle/>
+          <a:p>
+            <a:r>
+              <a:rPr lang="en-US" sz="2400" dirty="0"/>
+              <a:t>MSDN: SQL Server R Services</a:t>
+            </a:r>
+            <a:br>
+              <a:rPr lang="en-US" sz="2400" dirty="0"/>
+            </a:br>
+            <a:r>
+              <a:rPr lang="en-US" sz="2400" dirty="0">
+                <a:hlinkClick r:id="rId3"/>
+              </a:rPr>
+              <a:t>https://msdn.microsoft.com/en-us/library/mt604845.aspx</a:t>
+            </a:r>
+            <a:endParaRPr lang="en-US" sz="2400" dirty="0"/>
+          </a:p>
+          <a:p>
+            <a:endParaRPr lang="en-US" sz="2400" dirty="0"/>
+          </a:p>
+          <a:p>
+            <a:r>
+              <a:rPr lang="en-US" sz="2400" dirty="0"/>
+              <a:t>MSDN: Getting Started with SQL Server R Services</a:t>
+            </a:r>
+            <a:br>
+              <a:rPr lang="en-US" sz="2400" dirty="0"/>
+            </a:br>
+            <a:r>
+              <a:rPr lang="en-US" sz="2400" dirty="0">
+                <a:hlinkClick r:id="rId4"/>
+              </a:rPr>
+              <a:t>https://msdn.microsoft.com/en-us/library/mt604885.aspx</a:t>
+            </a:r>
+            <a:endParaRPr lang="en-US" sz="2400" dirty="0"/>
+          </a:p>
+          <a:p>
+            <a:endParaRPr lang="en-US" sz="2400" dirty="0"/>
+          </a:p>
+          <a:p>
+            <a:r>
+              <a:rPr lang="en-US" sz="2400" dirty="0"/>
+              <a:t>MSDN: </a:t>
+            </a:r>
+            <a:r>
+              <a:rPr lang="en-US" sz="2400" dirty="0" err="1"/>
+              <a:t>sp_execute_external_script</a:t>
+            </a:r>
+            <a:r>
+              <a:rPr lang="en-US" sz="2400" dirty="0"/>
+              <a:t> (Transact-SQL)</a:t>
+            </a:r>
+            <a:br>
+              <a:rPr lang="en-US" sz="2400" dirty="0"/>
+            </a:br>
+            <a:r>
+              <a:rPr lang="en-US" sz="2400" dirty="0">
+                <a:hlinkClick r:id="rId5"/>
+              </a:rPr>
+              <a:t>https://msdn.microsoft.com/en-us/library/mt604368.aspx</a:t>
+            </a:r>
+            <a:endParaRPr lang="en-US" sz="2400" dirty="0"/>
+          </a:p>
+          <a:p>
+            <a:endParaRPr lang="en-US" sz="2400" dirty="0"/>
+          </a:p>
+          <a:p>
+            <a:r>
+              <a:rPr lang="en-US" sz="2400" dirty="0"/>
+              <a:t>MSDN: Configure and Manage Advanced Analytics Extensions</a:t>
+            </a:r>
+          </a:p>
+          <a:p>
+            <a:r>
+              <a:rPr lang="en-US" sz="2400" dirty="0">
+                <a:hlinkClick r:id="rId6"/>
+              </a:rPr>
+              <a:t>https://msdn.microsoft.com/en-US/library/mt590869.aspx</a:t>
+            </a:r>
+            <a:endParaRPr lang="en-US" sz="2400" dirty="0"/>
+          </a:p>
+          <a:p>
+            <a:endParaRPr lang="en-US" sz="2400" dirty="0"/>
+          </a:p>
+          <a:p>
+            <a:r>
+              <a:rPr lang="en-US" sz="2400" dirty="0"/>
+              <a:t>Microsoft R Application Network (MRAN)</a:t>
+            </a:r>
+            <a:br>
+              <a:rPr lang="en-US" sz="2400" dirty="0"/>
+            </a:br>
+            <a:r>
+              <a:rPr lang="en-US" sz="2400" dirty="0">
+                <a:hlinkClick r:id="rId7"/>
+              </a:rPr>
+              <a:t>https://mran.revolutionanalytics.com/</a:t>
+            </a:r>
+            <a:endParaRPr lang="en-US" sz="2400" dirty="0"/>
+          </a:p>
+          <a:p>
+            <a:endParaRPr lang="en-US" sz="2400" dirty="0"/>
+          </a:p>
+        </p:txBody>
+      </p:sp>
+      <p:pic>
+        <p:nvPicPr>
+          <p:cNvPr id="9" name="Picture 8"/>
+          <p:cNvPicPr>
+            <a:picLocks noChangeAspect="1"/>
+          </p:cNvPicPr>
+          <p:nvPr/>
+        </p:nvPicPr>
+        <p:blipFill>
+          <a:blip r:embed="rId8">
+            <a:extLst>
+              <a:ext uri="{28A0092B-C50C-407E-A947-70E740481C1C}">
+                <a14:useLocalDpi xmlns:a14="http://schemas.microsoft.com/office/drawing/2010/main" val="0"/>
+              </a:ext>
+            </a:extLst>
+          </a:blip>
+          <a:stretch>
+            <a:fillRect/>
+          </a:stretch>
+        </p:blipFill>
+        <p:spPr>
+          <a:xfrm>
+            <a:off x="9941309" y="311450"/>
+            <a:ext cx="1737457" cy="1345550"/>
+          </a:xfrm>
+          <a:prstGeom prst="rect">
+            <a:avLst/>
+          </a:prstGeom>
+        </p:spPr>
+      </p:pic>
+    </p:spTree>
+    <p:extLst>
+      <p:ext uri="{BB962C8B-B14F-4D97-AF65-F5344CB8AC3E}">
+        <p14:creationId xmlns:p14="http://schemas.microsoft.com/office/powerpoint/2010/main" val="1062634877"/>
       </p:ext>
     </p:extLst>
   </p:cSld>
@@ -29386,694 +29396,6 @@
 </file>
 
 <file path=ppt/slides/slide40.xml><?xml version="1.0" encoding="utf-8"?>
-<p:sld xmlns:a="http://schemas.openxmlformats.org/drawingml/2006/main" xmlns:r="http://schemas.openxmlformats.org/officeDocument/2006/relationships" xmlns:p="http://schemas.openxmlformats.org/presentationml/2006/main">
-  <p:cSld>
-    <p:spTree>
-      <p:nvGrpSpPr>
-        <p:cNvPr id="1" name=""/>
-        <p:cNvGrpSpPr/>
-        <p:nvPr/>
-      </p:nvGrpSpPr>
-      <p:grpSpPr>
-        <a:xfrm>
-          <a:off x="0" y="0"/>
-          <a:ext cx="0" cy="0"/>
-          <a:chOff x="0" y="0"/>
-          <a:chExt cx="0" cy="0"/>
-        </a:xfrm>
-      </p:grpSpPr>
-      <p:sp>
-        <p:nvSpPr>
-          <p:cNvPr id="9" name="TextBox 8"/>
-          <p:cNvSpPr txBox="1"/>
-          <p:nvPr/>
-        </p:nvSpPr>
-        <p:spPr>
-          <a:xfrm>
-            <a:off x="268358" y="79858"/>
-            <a:ext cx="10505412" cy="6678751"/>
-          </a:xfrm>
-          <a:prstGeom prst="rect">
-            <a:avLst/>
-          </a:prstGeom>
-          <a:noFill/>
-        </p:spPr>
-        <p:txBody>
-          <a:bodyPr wrap="square" rtlCol="0">
-            <a:spAutoFit/>
-          </a:bodyPr>
-          <a:lstStyle/>
-          <a:p>
-            <a:r>
-              <a:rPr lang="en-US" sz="3600" i="1" dirty="0"/>
-              <a:t>Summary - 2</a:t>
-            </a:r>
-          </a:p>
-          <a:p>
-            <a:pPr marL="571500" indent="-571500">
-              <a:buFont typeface="Arial" panose="020B0604020202020204" pitchFamily="34" charset="0"/>
-              <a:buChar char="•"/>
-            </a:pPr>
-            <a:endParaRPr lang="en-US" sz="2800" i="1" dirty="0"/>
-          </a:p>
-          <a:p>
-            <a:pPr marL="457200" indent="-457200">
-              <a:buFont typeface="Arial" panose="020B0604020202020204" pitchFamily="34" charset="0"/>
-              <a:buChar char="•"/>
-            </a:pPr>
-            <a:r>
-              <a:rPr lang="en-US" sz="2800" i="1" dirty="0"/>
-              <a:t>Choose R (In Database)feature during SQL install</a:t>
-            </a:r>
-          </a:p>
-          <a:p>
-            <a:pPr marL="457200" indent="-457200">
-              <a:buFont typeface="Arial" panose="020B0604020202020204" pitchFamily="34" charset="0"/>
-              <a:buChar char="•"/>
-            </a:pPr>
-            <a:endParaRPr lang="en-US" sz="2800" i="1" dirty="0"/>
-          </a:p>
-          <a:p>
-            <a:pPr marL="457200" indent="-457200">
-              <a:buFont typeface="Arial" panose="020B0604020202020204" pitchFamily="34" charset="0"/>
-              <a:buChar char="•"/>
-            </a:pPr>
-            <a:r>
-              <a:rPr lang="en-US" sz="2800" i="1" dirty="0"/>
-              <a:t>Install RRO and RRE (before </a:t>
-            </a:r>
-            <a:r>
-              <a:rPr lang="en-US" sz="2800" i="1"/>
-              <a:t>RC2 or </a:t>
-            </a:r>
-            <a:r>
-              <a:rPr lang="en-US" sz="2800" i="1" dirty="0"/>
-              <a:t>if server has </a:t>
-            </a:r>
-            <a:r>
-              <a:rPr lang="en-US" sz="2800" i="1"/>
-              <a:t>no internet)</a:t>
-            </a:r>
-            <a:endParaRPr lang="en-US" sz="2800" i="1" dirty="0"/>
-          </a:p>
-          <a:p>
-            <a:pPr marL="457200" indent="-457200">
-              <a:buFont typeface="Arial" panose="020B0604020202020204" pitchFamily="34" charset="0"/>
-              <a:buChar char="•"/>
-            </a:pPr>
-            <a:endParaRPr lang="en-US" sz="2800" i="1" dirty="0"/>
-          </a:p>
-          <a:p>
-            <a:pPr marL="457200" indent="-457200">
-              <a:buFont typeface="Arial" panose="020B0604020202020204" pitchFamily="34" charset="0"/>
-              <a:buChar char="•"/>
-            </a:pPr>
-            <a:r>
-              <a:rPr lang="en-US" sz="2800" i="1" dirty="0" err="1"/>
-              <a:t>Sp_configure</a:t>
-            </a:r>
-            <a:r>
-              <a:rPr lang="en-US" sz="2800" i="1" dirty="0"/>
-              <a:t> ‘</a:t>
-            </a:r>
-            <a:r>
-              <a:rPr lang="en-US" sz="2800" i="1" dirty="0" err="1"/>
-              <a:t>external_scripts_enabled</a:t>
-            </a:r>
-            <a:r>
-              <a:rPr lang="en-US" sz="2800" i="1" dirty="0"/>
-              <a:t>’, 1</a:t>
-            </a:r>
-          </a:p>
-          <a:p>
-            <a:pPr marL="571500" indent="-571500">
-              <a:buFont typeface="Arial" panose="020B0604020202020204" pitchFamily="34" charset="0"/>
-              <a:buChar char="•"/>
-            </a:pPr>
-            <a:endParaRPr lang="en-US" sz="2800" i="1" dirty="0"/>
-          </a:p>
-          <a:p>
-            <a:pPr marL="457200" indent="-457200">
-              <a:buFont typeface="Arial" panose="020B0604020202020204" pitchFamily="34" charset="0"/>
-              <a:buChar char="•"/>
-            </a:pPr>
-            <a:r>
-              <a:rPr lang="en-US" sz="2800" i="1" dirty="0"/>
-              <a:t>Configure </a:t>
-            </a:r>
-            <a:r>
-              <a:rPr lang="en-US" sz="2800" i="1" dirty="0" err="1"/>
-              <a:t>Rlaunchpad</a:t>
-            </a:r>
-            <a:r>
-              <a:rPr lang="en-US" sz="2800" i="1" dirty="0"/>
-              <a:t> for memory</a:t>
-            </a:r>
-          </a:p>
-          <a:p>
-            <a:pPr marL="457200" indent="-457200">
-              <a:buFont typeface="Arial" panose="020B0604020202020204" pitchFamily="34" charset="0"/>
-              <a:buChar char="•"/>
-            </a:pPr>
-            <a:endParaRPr lang="en-US" sz="2800" i="1" dirty="0"/>
-          </a:p>
-          <a:p>
-            <a:pPr marL="457200" indent="-457200">
-              <a:buFont typeface="Arial" panose="020B0604020202020204" pitchFamily="34" charset="0"/>
-              <a:buChar char="•"/>
-            </a:pPr>
-            <a:r>
-              <a:rPr lang="en-US" sz="2800" i="1" dirty="0"/>
-              <a:t>Configure </a:t>
-            </a:r>
-            <a:r>
-              <a:rPr lang="en-US" sz="2800" i="1" dirty="0" err="1"/>
-              <a:t>RegisterRext.exe.config</a:t>
-            </a:r>
-            <a:r>
-              <a:rPr lang="en-US" sz="2800" i="1" dirty="0"/>
-              <a:t> for user account sessions </a:t>
-            </a:r>
-          </a:p>
-          <a:p>
-            <a:pPr marL="571500" indent="-571500">
-              <a:buFont typeface="Arial" panose="020B0604020202020204" pitchFamily="34" charset="0"/>
-              <a:buChar char="•"/>
-            </a:pPr>
-            <a:endParaRPr lang="en-US" sz="2800" i="1" dirty="0"/>
-          </a:p>
-          <a:p>
-            <a:pPr marL="457200" indent="-457200">
-              <a:buFont typeface="Arial" panose="020B0604020202020204" pitchFamily="34" charset="0"/>
-              <a:buChar char="•"/>
-            </a:pPr>
-            <a:r>
-              <a:rPr lang="en-US" sz="2800" i="1" dirty="0"/>
-              <a:t>Run R code through </a:t>
-            </a:r>
-            <a:r>
-              <a:rPr lang="en-US" sz="2800" i="1" dirty="0" err="1"/>
-              <a:t>sp_execute_external_script</a:t>
-            </a:r>
-            <a:endParaRPr lang="en-US" sz="2800" i="1" dirty="0"/>
-          </a:p>
-          <a:p>
-            <a:pPr marL="914400" lvl="1" indent="-457200">
-              <a:buFont typeface="Arial" panose="020B0604020202020204" pitchFamily="34" charset="0"/>
-              <a:buChar char="•"/>
-            </a:pPr>
-            <a:r>
-              <a:rPr lang="en-US" sz="2800" i="1" dirty="0"/>
-              <a:t>Only 1 input and 1output</a:t>
-            </a:r>
-          </a:p>
-          <a:p>
-            <a:pPr marL="914400" lvl="1" indent="-457200">
-              <a:buFont typeface="Arial" panose="020B0604020202020204" pitchFamily="34" charset="0"/>
-              <a:buChar char="•"/>
-            </a:pPr>
-            <a:r>
-              <a:rPr lang="en-US" sz="2800" i="1" dirty="0"/>
-              <a:t>R must return data frame </a:t>
-            </a:r>
-            <a:endParaRPr lang="en-US" sz="3200" i="1" dirty="0"/>
-          </a:p>
-        </p:txBody>
-      </p:sp>
-      <p:pic>
-        <p:nvPicPr>
-          <p:cNvPr id="10" name="Picture 9"/>
-          <p:cNvPicPr>
-            <a:picLocks noChangeAspect="1"/>
-          </p:cNvPicPr>
-          <p:nvPr/>
-        </p:nvPicPr>
-        <p:blipFill>
-          <a:blip r:embed="rId2">
-            <a:extLst>
-              <a:ext uri="{28A0092B-C50C-407E-A947-70E740481C1C}">
-                <a14:useLocalDpi xmlns:a14="http://schemas.microsoft.com/office/drawing/2010/main" val="0"/>
-              </a:ext>
-            </a:extLst>
-          </a:blip>
-          <a:stretch>
-            <a:fillRect/>
-          </a:stretch>
-        </p:blipFill>
-        <p:spPr>
-          <a:xfrm>
-            <a:off x="9941309" y="311450"/>
-            <a:ext cx="1737457" cy="1345550"/>
-          </a:xfrm>
-          <a:prstGeom prst="rect">
-            <a:avLst/>
-          </a:prstGeom>
-        </p:spPr>
-      </p:pic>
-    </p:spTree>
-    <p:extLst>
-      <p:ext uri="{BB962C8B-B14F-4D97-AF65-F5344CB8AC3E}">
-        <p14:creationId xmlns:p14="http://schemas.microsoft.com/office/powerpoint/2010/main" val="4224310888"/>
-      </p:ext>
-    </p:extLst>
-  </p:cSld>
-  <p:clrMapOvr>
-    <a:masterClrMapping/>
-  </p:clrMapOvr>
-</p:sld>
-</file>
-
-<file path=ppt/slides/slide41.xml><?xml version="1.0" encoding="utf-8"?>
-<p:sld xmlns:a="http://schemas.openxmlformats.org/drawingml/2006/main" xmlns:r="http://schemas.openxmlformats.org/officeDocument/2006/relationships" xmlns:p="http://schemas.openxmlformats.org/presentationml/2006/main" showMasterSp="0">
-  <p:cSld>
-    <p:spTree>
-      <p:nvGrpSpPr>
-        <p:cNvPr id="1" name=""/>
-        <p:cNvGrpSpPr/>
-        <p:nvPr/>
-      </p:nvGrpSpPr>
-      <p:grpSpPr>
-        <a:xfrm>
-          <a:off x="0" y="0"/>
-          <a:ext cx="0" cy="0"/>
-          <a:chOff x="0" y="0"/>
-          <a:chExt cx="0" cy="0"/>
-        </a:xfrm>
-      </p:grpSpPr>
-      <p:sp>
-        <p:nvSpPr>
-          <p:cNvPr id="3" name="TextBox 2"/>
-          <p:cNvSpPr txBox="1"/>
-          <p:nvPr/>
-        </p:nvSpPr>
-        <p:spPr>
-          <a:xfrm>
-            <a:off x="3815409" y="327547"/>
-            <a:ext cx="4143024" cy="584775"/>
-          </a:xfrm>
-          <a:prstGeom prst="rect">
-            <a:avLst/>
-          </a:prstGeom>
-          <a:noFill/>
-        </p:spPr>
-        <p:txBody>
-          <a:bodyPr wrap="square" rtlCol="0">
-            <a:spAutoFit/>
-          </a:bodyPr>
-          <a:lstStyle/>
-          <a:p>
-            <a:r>
-              <a:rPr lang="en-US" sz="3200" dirty="0"/>
-              <a:t>Base R References</a:t>
-            </a:r>
-          </a:p>
-        </p:txBody>
-      </p:sp>
-      <p:sp>
-        <p:nvSpPr>
-          <p:cNvPr id="2" name="TextBox 1"/>
-          <p:cNvSpPr txBox="1"/>
-          <p:nvPr/>
-        </p:nvSpPr>
-        <p:spPr>
-          <a:xfrm>
-            <a:off x="385010" y="1119799"/>
-            <a:ext cx="6438306" cy="5632311"/>
-          </a:xfrm>
-          <a:prstGeom prst="rect">
-            <a:avLst/>
-          </a:prstGeom>
-          <a:noFill/>
-        </p:spPr>
-        <p:txBody>
-          <a:bodyPr wrap="square" rtlCol="0">
-            <a:spAutoFit/>
-          </a:bodyPr>
-          <a:lstStyle/>
-          <a:p>
-            <a:r>
-              <a:rPr lang="en-US" sz="2400" dirty="0"/>
-              <a:t>Comprehensive R Archive Network (CRAN)</a:t>
-            </a:r>
-            <a:br>
-              <a:rPr lang="en-US" sz="2400" dirty="0"/>
-            </a:br>
-            <a:r>
-              <a:rPr lang="en-US" sz="2400" dirty="0">
-                <a:hlinkClick r:id="rId3"/>
-              </a:rPr>
-              <a:t>https://www.cran.r-project.org/</a:t>
-            </a:r>
-            <a:endParaRPr lang="en-US" sz="2400" dirty="0"/>
-          </a:p>
-          <a:p>
-            <a:endParaRPr lang="en-US" sz="2400" dirty="0"/>
-          </a:p>
-          <a:p>
-            <a:r>
-              <a:rPr lang="en-US" sz="2400" dirty="0"/>
-              <a:t>R Tutorial</a:t>
-            </a:r>
-            <a:br>
-              <a:rPr lang="en-US" sz="2400" dirty="0"/>
-            </a:br>
-            <a:r>
-              <a:rPr lang="en-US" sz="2400" dirty="0">
-                <a:hlinkClick r:id="rId4"/>
-              </a:rPr>
-              <a:t>https://cran.r-project.org/doc/manuals/R-intro.html</a:t>
-            </a:r>
-            <a:endParaRPr lang="en-US" sz="2400" dirty="0"/>
-          </a:p>
-          <a:p>
-            <a:endParaRPr lang="en-US" sz="2400" dirty="0"/>
-          </a:p>
-          <a:p>
-            <a:r>
-              <a:rPr lang="en-US" sz="2400" dirty="0"/>
-              <a:t>R </a:t>
-            </a:r>
-            <a:r>
-              <a:rPr lang="en-US" sz="2400" dirty="0" err="1"/>
-              <a:t>Cheatsheets</a:t>
-            </a:r>
-            <a:r>
-              <a:rPr lang="en-US" sz="2400" dirty="0"/>
-              <a:t/>
-            </a:r>
-            <a:br>
-              <a:rPr lang="en-US" sz="2400" dirty="0"/>
-            </a:br>
-            <a:r>
-              <a:rPr lang="en-US" sz="2400" dirty="0">
-                <a:hlinkClick r:id="rId5"/>
-              </a:rPr>
-              <a:t>https://www.rstudio.com/resources/cheatsheets/</a:t>
-            </a:r>
-            <a:endParaRPr lang="en-US" sz="2400" dirty="0"/>
-          </a:p>
-          <a:p>
-            <a:endParaRPr lang="en-US" sz="2400" dirty="0"/>
-          </a:p>
-          <a:p>
-            <a:r>
-              <a:rPr lang="en-US" sz="2400" dirty="0"/>
-              <a:t>R-bloggers</a:t>
-            </a:r>
-            <a:br>
-              <a:rPr lang="en-US" sz="2400" dirty="0"/>
-            </a:br>
-            <a:r>
-              <a:rPr lang="en-US" sz="2400" dirty="0">
-                <a:hlinkClick r:id="rId6"/>
-              </a:rPr>
-              <a:t>https://www.r-bloggers.com/</a:t>
-            </a:r>
-            <a:endParaRPr lang="en-US" sz="2400" dirty="0"/>
-          </a:p>
-          <a:p>
-            <a:endParaRPr lang="en-US" sz="2400" dirty="0"/>
-          </a:p>
-          <a:p>
-            <a:r>
-              <a:rPr lang="en-US" sz="2400" dirty="0"/>
-              <a:t>R Exercises</a:t>
-            </a:r>
-            <a:br>
-              <a:rPr lang="en-US" sz="2400" dirty="0"/>
-            </a:br>
-            <a:r>
-              <a:rPr lang="en-US" sz="2400" dirty="0">
-                <a:hlinkClick r:id="rId7"/>
-              </a:rPr>
-              <a:t>http://www.r-exercises.com/</a:t>
-            </a:r>
-            <a:endParaRPr lang="en-US" sz="2400" dirty="0"/>
-          </a:p>
-          <a:p>
-            <a:endParaRPr lang="en-US" sz="2400" dirty="0"/>
-          </a:p>
-        </p:txBody>
-      </p:sp>
-      <p:pic>
-        <p:nvPicPr>
-          <p:cNvPr id="9" name="Picture 8"/>
-          <p:cNvPicPr>
-            <a:picLocks noChangeAspect="1"/>
-          </p:cNvPicPr>
-          <p:nvPr/>
-        </p:nvPicPr>
-        <p:blipFill>
-          <a:blip r:embed="rId8">
-            <a:extLst>
-              <a:ext uri="{28A0092B-C50C-407E-A947-70E740481C1C}">
-                <a14:useLocalDpi xmlns:a14="http://schemas.microsoft.com/office/drawing/2010/main" val="0"/>
-              </a:ext>
-            </a:extLst>
-          </a:blip>
-          <a:stretch>
-            <a:fillRect/>
-          </a:stretch>
-        </p:blipFill>
-        <p:spPr>
-          <a:xfrm>
-            <a:off x="9941309" y="311450"/>
-            <a:ext cx="1737457" cy="1345550"/>
-          </a:xfrm>
-          <a:prstGeom prst="rect">
-            <a:avLst/>
-          </a:prstGeom>
-        </p:spPr>
-      </p:pic>
-    </p:spTree>
-    <p:extLst>
-      <p:ext uri="{BB962C8B-B14F-4D97-AF65-F5344CB8AC3E}">
-        <p14:creationId xmlns:p14="http://schemas.microsoft.com/office/powerpoint/2010/main" val="2831807291"/>
-      </p:ext>
-    </p:extLst>
-  </p:cSld>
-  <p:clrMapOvr>
-    <a:masterClrMapping/>
-  </p:clrMapOvr>
-</p:sld>
-</file>
-
-<file path=ppt/slides/slide42.xml><?xml version="1.0" encoding="utf-8"?>
-<p:sld xmlns:a="http://schemas.openxmlformats.org/drawingml/2006/main" xmlns:r="http://schemas.openxmlformats.org/officeDocument/2006/relationships" xmlns:p="http://schemas.openxmlformats.org/presentationml/2006/main" showMasterSp="0">
-  <p:cSld>
-    <p:spTree>
-      <p:nvGrpSpPr>
-        <p:cNvPr id="1" name=""/>
-        <p:cNvGrpSpPr/>
-        <p:nvPr/>
-      </p:nvGrpSpPr>
-      <p:grpSpPr>
-        <a:xfrm>
-          <a:off x="0" y="0"/>
-          <a:ext cx="0" cy="0"/>
-          <a:chOff x="0" y="0"/>
-          <a:chExt cx="0" cy="0"/>
-        </a:xfrm>
-      </p:grpSpPr>
-      <p:sp>
-        <p:nvSpPr>
-          <p:cNvPr id="3" name="TextBox 2"/>
-          <p:cNvSpPr txBox="1"/>
-          <p:nvPr/>
-        </p:nvSpPr>
-        <p:spPr>
-          <a:xfrm>
-            <a:off x="3238939" y="311450"/>
-            <a:ext cx="5199382" cy="584775"/>
-          </a:xfrm>
-          <a:prstGeom prst="rect">
-            <a:avLst/>
-          </a:prstGeom>
-          <a:noFill/>
-        </p:spPr>
-        <p:txBody>
-          <a:bodyPr wrap="square" rtlCol="0">
-            <a:spAutoFit/>
-          </a:bodyPr>
-          <a:lstStyle/>
-          <a:p>
-            <a:r>
-              <a:rPr lang="en-US" sz="3200" dirty="0" smtClean="0"/>
-              <a:t>Microsoft R Open References</a:t>
-            </a:r>
-            <a:endParaRPr lang="en-US" sz="3200" dirty="0"/>
-          </a:p>
-        </p:txBody>
-      </p:sp>
-      <p:sp>
-        <p:nvSpPr>
-          <p:cNvPr id="2" name="TextBox 1"/>
-          <p:cNvSpPr txBox="1"/>
-          <p:nvPr/>
-        </p:nvSpPr>
-        <p:spPr>
-          <a:xfrm>
-            <a:off x="490780" y="1073500"/>
-            <a:ext cx="10156748" cy="5632311"/>
-          </a:xfrm>
-          <a:prstGeom prst="rect">
-            <a:avLst/>
-          </a:prstGeom>
-          <a:noFill/>
-        </p:spPr>
-        <p:txBody>
-          <a:bodyPr wrap="square" rtlCol="0">
-            <a:spAutoFit/>
-          </a:bodyPr>
-          <a:lstStyle/>
-          <a:p>
-            <a:r>
-              <a:rPr lang="en-US" sz="2400" dirty="0"/>
-              <a:t>MSDN: SQL Server R Services</a:t>
-            </a:r>
-            <a:br>
-              <a:rPr lang="en-US" sz="2400" dirty="0"/>
-            </a:br>
-            <a:r>
-              <a:rPr lang="en-US" sz="2400" dirty="0">
-                <a:hlinkClick r:id="rId3"/>
-              </a:rPr>
-              <a:t>https://msdn.microsoft.com/en-us/library/mt604845.aspx</a:t>
-            </a:r>
-            <a:endParaRPr lang="en-US" sz="2400" dirty="0"/>
-          </a:p>
-          <a:p>
-            <a:endParaRPr lang="en-US" sz="2400" dirty="0"/>
-          </a:p>
-          <a:p>
-            <a:r>
-              <a:rPr lang="en-US" sz="2400" dirty="0"/>
-              <a:t>MSDN: Getting Started with SQL Server R Services</a:t>
-            </a:r>
-            <a:br>
-              <a:rPr lang="en-US" sz="2400" dirty="0"/>
-            </a:br>
-            <a:r>
-              <a:rPr lang="en-US" sz="2400" dirty="0">
-                <a:hlinkClick r:id="rId4"/>
-              </a:rPr>
-              <a:t>https://msdn.microsoft.com/en-us/library/mt604885.aspx</a:t>
-            </a:r>
-            <a:endParaRPr lang="en-US" sz="2400" dirty="0"/>
-          </a:p>
-          <a:p>
-            <a:endParaRPr lang="en-US" sz="2400" dirty="0"/>
-          </a:p>
-          <a:p>
-            <a:r>
-              <a:rPr lang="en-US" sz="2400" dirty="0"/>
-              <a:t>MSDN: </a:t>
-            </a:r>
-            <a:r>
-              <a:rPr lang="en-US" sz="2400" dirty="0" err="1"/>
-              <a:t>sp_execute_external_script</a:t>
-            </a:r>
-            <a:r>
-              <a:rPr lang="en-US" sz="2400" dirty="0"/>
-              <a:t> (Transact-SQL)</a:t>
-            </a:r>
-            <a:br>
-              <a:rPr lang="en-US" sz="2400" dirty="0"/>
-            </a:br>
-            <a:r>
-              <a:rPr lang="en-US" sz="2400" dirty="0">
-                <a:hlinkClick r:id="rId5"/>
-              </a:rPr>
-              <a:t>https://msdn.microsoft.com/en-us/library/mt604368.aspx</a:t>
-            </a:r>
-            <a:endParaRPr lang="en-US" sz="2400" dirty="0"/>
-          </a:p>
-          <a:p>
-            <a:endParaRPr lang="en-US" sz="2400" dirty="0"/>
-          </a:p>
-          <a:p>
-            <a:r>
-              <a:rPr lang="en-US" sz="2400" dirty="0"/>
-              <a:t>MSDN: Configure and Manage Advanced Analytics Extensions</a:t>
-            </a:r>
-          </a:p>
-          <a:p>
-            <a:r>
-              <a:rPr lang="en-US" sz="2400" dirty="0">
-                <a:hlinkClick r:id="rId6"/>
-              </a:rPr>
-              <a:t>https://msdn.microsoft.com/en-US/library/mt590869.aspx</a:t>
-            </a:r>
-            <a:endParaRPr lang="en-US" sz="2400" dirty="0"/>
-          </a:p>
-          <a:p>
-            <a:endParaRPr lang="en-US" sz="2400" dirty="0"/>
-          </a:p>
-          <a:p>
-            <a:r>
-              <a:rPr lang="en-US" sz="2400" dirty="0"/>
-              <a:t>Microsoft R Application Network (MRAN)</a:t>
-            </a:r>
-            <a:br>
-              <a:rPr lang="en-US" sz="2400" dirty="0"/>
-            </a:br>
-            <a:r>
-              <a:rPr lang="en-US" sz="2400" dirty="0">
-                <a:hlinkClick r:id="rId7"/>
-              </a:rPr>
-              <a:t>https://mran.revolutionanalytics.com/</a:t>
-            </a:r>
-            <a:endParaRPr lang="en-US" sz="2400" dirty="0"/>
-          </a:p>
-          <a:p>
-            <a:endParaRPr lang="en-US" sz="2400" dirty="0"/>
-          </a:p>
-        </p:txBody>
-      </p:sp>
-      <p:pic>
-        <p:nvPicPr>
-          <p:cNvPr id="9" name="Picture 8"/>
-          <p:cNvPicPr>
-            <a:picLocks noChangeAspect="1"/>
-          </p:cNvPicPr>
-          <p:nvPr/>
-        </p:nvPicPr>
-        <p:blipFill>
-          <a:blip r:embed="rId8">
-            <a:extLst>
-              <a:ext uri="{28A0092B-C50C-407E-A947-70E740481C1C}">
-                <a14:useLocalDpi xmlns:a14="http://schemas.microsoft.com/office/drawing/2010/main" val="0"/>
-              </a:ext>
-            </a:extLst>
-          </a:blip>
-          <a:stretch>
-            <a:fillRect/>
-          </a:stretch>
-        </p:blipFill>
-        <p:spPr>
-          <a:xfrm>
-            <a:off x="9941309" y="311450"/>
-            <a:ext cx="1737457" cy="1345550"/>
-          </a:xfrm>
-          <a:prstGeom prst="rect">
-            <a:avLst/>
-          </a:prstGeom>
-        </p:spPr>
-      </p:pic>
-    </p:spTree>
-    <p:extLst>
-      <p:ext uri="{BB962C8B-B14F-4D97-AF65-F5344CB8AC3E}">
-        <p14:creationId xmlns:p14="http://schemas.microsoft.com/office/powerpoint/2010/main" val="1062634877"/>
-      </p:ext>
-    </p:extLst>
-  </p:cSld>
-  <p:clrMapOvr>
-    <a:masterClrMapping/>
-  </p:clrMapOvr>
-</p:sld>
-</file>
-
-<file path=ppt/slides/slide43.xml><?xml version="1.0" encoding="utf-8"?>
 <p:sld xmlns:a="http://schemas.openxmlformats.org/drawingml/2006/main" xmlns:r="http://schemas.openxmlformats.org/officeDocument/2006/relationships" xmlns:p="http://schemas.openxmlformats.org/presentationml/2006/main" showMasterSp="0">
   <p:cSld>
     <p:spTree>
@@ -30168,7 +29490,7 @@
 </p:sld>
 </file>
 
-<file path=ppt/slides/slide44.xml><?xml version="1.0" encoding="utf-8"?>
+<file path=ppt/slides/slide41.xml><?xml version="1.0" encoding="utf-8"?>
 <p:sld xmlns:a="http://schemas.openxmlformats.org/drawingml/2006/main" xmlns:r="http://schemas.openxmlformats.org/officeDocument/2006/relationships" xmlns:p="http://schemas.openxmlformats.org/presentationml/2006/main" showMasterSp="0">
   <p:cSld>
     <p:spTree>
@@ -30216,7 +29538,7 @@
             <a:endParaRPr lang="en-US" sz="3600" i="1" dirty="0"/>
           </a:p>
           <a:p>
-            <a:endParaRPr lang="en-US" sz="3600" i="1" dirty="0" smtClean="0"/>
+            <a:endParaRPr lang="en-US" sz="3600" i="1" dirty="0"/>
           </a:p>
           <a:p>
             <a:endParaRPr lang="en-US" sz="3600" i="1" dirty="0"/>
@@ -30495,59 +29817,59 @@
           </a:lstStyle>
           <a:p>
             <a:r>
-              <a:rPr lang="en-US" sz="2800" i="1" dirty="0" smtClean="0"/>
+              <a:rPr lang="en-US" sz="2800" i="1" dirty="0"/>
               <a:t>Email: </a:t>
             </a:r>
             <a:r>
-              <a:rPr lang="en-US" sz="2800" i="1" dirty="0" smtClean="0">
+              <a:rPr lang="en-US" sz="2800" i="1" dirty="0">
                 <a:hlinkClick r:id="rId4"/>
               </a:rPr>
               <a:t>jpertell@gmail.com</a:t>
             </a:r>
-            <a:endParaRPr lang="en-US" sz="2800" i="1" dirty="0" smtClean="0"/>
-          </a:p>
-          <a:p>
-            <a:r>
-              <a:rPr lang="en-US" sz="2800" i="1" dirty="0" smtClean="0"/>
+            <a:endParaRPr lang="en-US" sz="2800" i="1" dirty="0"/>
+          </a:p>
+          <a:p>
+            <a:r>
+              <a:rPr lang="en-US" sz="2800" i="1" dirty="0"/>
               <a:t>Twitter: @</a:t>
             </a:r>
             <a:r>
-              <a:rPr lang="en-US" sz="2800" i="1" dirty="0" err="1" smtClean="0"/>
+              <a:rPr lang="en-US" sz="2800" i="1" dirty="0" err="1"/>
               <a:t>jayape</a:t>
             </a:r>
-            <a:endParaRPr lang="en-US" sz="2800" i="1" dirty="0" smtClean="0"/>
-          </a:p>
-          <a:p>
-            <a:r>
-              <a:rPr lang="en-US" sz="2800" i="1" dirty="0" smtClean="0"/>
+            <a:endParaRPr lang="en-US" sz="2800" i="1" dirty="0"/>
+          </a:p>
+          <a:p>
+            <a:r>
+              <a:rPr lang="en-US" sz="2800" i="1" dirty="0"/>
               <a:t>Blog: </a:t>
             </a:r>
             <a:r>
-              <a:rPr lang="en-US" sz="2800" i="1" dirty="0" smtClean="0">
+              <a:rPr lang="en-US" sz="2800" i="1" dirty="0">
                 <a:hlinkClick r:id="rId5"/>
               </a:rPr>
               <a:t>http://www.pertell.com/sqlservings</a:t>
             </a:r>
-            <a:endParaRPr lang="en-US" sz="2800" i="1" dirty="0" smtClean="0"/>
-          </a:p>
-          <a:p>
-            <a:r>
-              <a:rPr lang="en-US" sz="2800" i="1" dirty="0" smtClean="0"/>
+            <a:endParaRPr lang="en-US" sz="2800" i="1" dirty="0"/>
+          </a:p>
+          <a:p>
+            <a:r>
+              <a:rPr lang="en-US" sz="2800" i="1" dirty="0"/>
               <a:t>Link to slides and demo code: </a:t>
             </a:r>
             <a:r>
-              <a:rPr lang="en-US" sz="2800" dirty="0" smtClean="0">
+              <a:rPr lang="en-US" sz="2800" dirty="0">
                 <a:hlinkClick r:id="rId6"/>
               </a:rPr>
               <a:t>https://github.com/jayape/FoxPass</a:t>
             </a:r>
-            <a:endParaRPr lang="en-US" sz="2800" dirty="0" smtClean="0"/>
-          </a:p>
-          <a:p>
-            <a:endParaRPr lang="en-US" sz="3600" i="1" dirty="0" smtClean="0"/>
-          </a:p>
-          <a:p>
-            <a:endParaRPr lang="en-US" sz="3600" i="1" dirty="0" smtClean="0"/>
+            <a:endParaRPr lang="en-US" sz="2800" dirty="0"/>
+          </a:p>
+          <a:p>
+            <a:endParaRPr lang="en-US" sz="3600" i="1" dirty="0"/>
+          </a:p>
+          <a:p>
+            <a:endParaRPr lang="en-US" sz="3600" i="1" dirty="0"/>
           </a:p>
           <a:p>
             <a:endParaRPr lang="en-US" sz="3600" i="1" dirty="0"/>
@@ -30717,13 +30039,6 @@
   <p:clrMapOvr>
     <a:masterClrMapping/>
   </p:clrMapOvr>
-  <p:timing>
-    <p:tnLst>
-      <p:par>
-        <p:cTn id="1" dur="indefinite" restart="never" nodeType="tmRoot"/>
-      </p:par>
-    </p:tnLst>
-  </p:timing>
 </p:sld>
 </file>
 
@@ -31230,13 +30545,6 @@
   <p:clrMapOvr>
     <a:masterClrMapping/>
   </p:clrMapOvr>
-  <p:timing>
-    <p:tnLst>
-      <p:par>
-        <p:cTn id="1" dur="indefinite" restart="never" nodeType="tmRoot"/>
-      </p:par>
-    </p:tnLst>
-  </p:timing>
 </p:sld>
 </file>
 
@@ -31425,13 +30733,6 @@
   <p:clrMapOvr>
     <a:masterClrMapping/>
   </p:clrMapOvr>
-  <p:timing>
-    <p:tnLst>
-      <p:par>
-        <p:cTn id="1" dur="indefinite" restart="never" nodeType="tmRoot"/>
-      </p:par>
-    </p:tnLst>
-  </p:timing>
 </p:sld>
 </file>
 
@@ -31554,13 +30855,6 @@
   <p:clrMapOvr>
     <a:masterClrMapping/>
   </p:clrMapOvr>
-  <p:timing>
-    <p:tnLst>
-      <p:par>
-        <p:cTn id="1" dur="indefinite" restart="never" nodeType="tmRoot"/>
-      </p:par>
-    </p:tnLst>
-  </p:timing>
 </p:sld>
 </file>
 

--- a/R Session.pptx
+++ b/R Session.pptx
@@ -5,7 +5,7 @@
     <p:sldMasterId id="2147483660" r:id="rId1"/>
   </p:sldMasterIdLst>
   <p:notesMasterIdLst>
-    <p:notesMasterId r:id="rId43"/>
+    <p:notesMasterId r:id="rId42"/>
   </p:notesMasterIdLst>
   <p:sldIdLst>
     <p:sldId id="258" r:id="rId2"/>
@@ -44,11 +44,10 @@
     <p:sldId id="343" r:id="rId35"/>
     <p:sldId id="322" r:id="rId36"/>
     <p:sldId id="332" r:id="rId37"/>
-    <p:sldId id="315" r:id="rId38"/>
-    <p:sldId id="345" r:id="rId39"/>
-    <p:sldId id="301" r:id="rId40"/>
-    <p:sldId id="326" r:id="rId41"/>
-    <p:sldId id="346" r:id="rId42"/>
+    <p:sldId id="345" r:id="rId38"/>
+    <p:sldId id="301" r:id="rId39"/>
+    <p:sldId id="326" r:id="rId40"/>
+    <p:sldId id="346" r:id="rId41"/>
   </p:sldIdLst>
   <p:sldSz cx="12192000" cy="6858000"/>
   <p:notesSz cx="6858000" cy="9144000"/>
@@ -244,7 +243,7 @@
           <a:p>
             <a:fld id="{E81C8EEB-7BA9-464D-8F34-E5231E8E18BB}" type="datetimeFigureOut">
               <a:rPr lang="en-US" smtClean="0"/>
-              <a:t>6/4/2017</a:t>
+              <a:t>6/5/2017</a:t>
             </a:fld>
             <a:endParaRPr lang="en-US"/>
           </a:p>
@@ -1762,7 +1761,7 @@
           <a:p>
             <a:fld id="{E35866A8-0950-4713-8AD1-561C9B0A68EB}" type="slidenum">
               <a:rPr lang="en-US" smtClean="0"/>
-              <a:t>38</a:t>
+              <a:t>37</a:t>
             </a:fld>
             <a:endParaRPr lang="en-US"/>
           </a:p>
@@ -1855,7 +1854,7 @@
           <a:p>
             <a:fld id="{E35866A8-0950-4713-8AD1-561C9B0A68EB}" type="slidenum">
               <a:rPr lang="en-US" smtClean="0"/>
-              <a:t>39</a:t>
+              <a:t>38</a:t>
             </a:fld>
             <a:endParaRPr lang="en-US"/>
           </a:p>
@@ -1948,7 +1947,7 @@
           <a:p>
             <a:fld id="{E35866A8-0950-4713-8AD1-561C9B0A68EB}" type="slidenum">
               <a:rPr lang="en-US" smtClean="0"/>
-              <a:t>40</a:t>
+              <a:t>39</a:t>
             </a:fld>
             <a:endParaRPr lang="en-US"/>
           </a:p>
@@ -2033,7 +2032,7 @@
           <a:p>
             <a:fld id="{E35866A8-0950-4713-8AD1-561C9B0A68EB}" type="slidenum">
               <a:rPr lang="en-US" smtClean="0"/>
-              <a:t>41</a:t>
+              <a:t>40</a:t>
             </a:fld>
             <a:endParaRPr lang="en-US"/>
           </a:p>
@@ -11433,7 +11432,7 @@
           <a:p>
             <a:fld id="{C798C88A-3EB1-48EE-BAEA-CE01783A4B66}" type="datetimeFigureOut">
               <a:rPr lang="en-US" smtClean="0"/>
-              <a:t>6/4/2017</a:t>
+              <a:t>6/5/2017</a:t>
             </a:fld>
             <a:endParaRPr lang="en-US"/>
           </a:p>
@@ -11640,7 +11639,7 @@
           <a:p>
             <a:fld id="{C798C88A-3EB1-48EE-BAEA-CE01783A4B66}" type="datetimeFigureOut">
               <a:rPr lang="en-US" smtClean="0"/>
-              <a:t>6/4/2017</a:t>
+              <a:t>6/5/2017</a:t>
             </a:fld>
             <a:endParaRPr lang="en-US"/>
           </a:p>
@@ -11820,7 +11819,7 @@
           <a:p>
             <a:fld id="{C798C88A-3EB1-48EE-BAEA-CE01783A4B66}" type="datetimeFigureOut">
               <a:rPr lang="en-US" smtClean="0"/>
-              <a:t>6/4/2017</a:t>
+              <a:t>6/5/2017</a:t>
             </a:fld>
             <a:endParaRPr lang="en-US"/>
           </a:p>
@@ -12025,7 +12024,7 @@
           <a:p>
             <a:fld id="{C798C88A-3EB1-48EE-BAEA-CE01783A4B66}" type="datetimeFigureOut">
               <a:rPr lang="en-US" smtClean="0"/>
-              <a:t>6/4/2017</a:t>
+              <a:t>6/5/2017</a:t>
             </a:fld>
             <a:endParaRPr lang="en-US"/>
           </a:p>
@@ -20923,7 +20922,7 @@
           <a:p>
             <a:fld id="{C798C88A-3EB1-48EE-BAEA-CE01783A4B66}" type="datetimeFigureOut">
               <a:rPr lang="en-US" smtClean="0"/>
-              <a:t>6/4/2017</a:t>
+              <a:t>6/5/2017</a:t>
             </a:fld>
             <a:endParaRPr lang="en-US"/>
           </a:p>
@@ -21197,7 +21196,7 @@
           <a:p>
             <a:fld id="{C798C88A-3EB1-48EE-BAEA-CE01783A4B66}" type="datetimeFigureOut">
               <a:rPr lang="en-US" smtClean="0"/>
-              <a:t>6/4/2017</a:t>
+              <a:t>6/5/2017</a:t>
             </a:fld>
             <a:endParaRPr lang="en-US"/>
           </a:p>
@@ -21595,7 +21594,7 @@
           <a:p>
             <a:fld id="{C798C88A-3EB1-48EE-BAEA-CE01783A4B66}" type="datetimeFigureOut">
               <a:rPr lang="en-US" smtClean="0"/>
-              <a:t>6/4/2017</a:t>
+              <a:t>6/5/2017</a:t>
             </a:fld>
             <a:endParaRPr lang="en-US"/>
           </a:p>
@@ -21713,7 +21712,7 @@
           <a:p>
             <a:fld id="{C798C88A-3EB1-48EE-BAEA-CE01783A4B66}" type="datetimeFigureOut">
               <a:rPr lang="en-US" smtClean="0"/>
-              <a:t>6/4/2017</a:t>
+              <a:t>6/5/2017</a:t>
             </a:fld>
             <a:endParaRPr lang="en-US"/>
           </a:p>
@@ -21808,7 +21807,7 @@
           <a:p>
             <a:fld id="{C798C88A-3EB1-48EE-BAEA-CE01783A4B66}" type="datetimeFigureOut">
               <a:rPr lang="en-US" smtClean="0"/>
-              <a:t>6/4/2017</a:t>
+              <a:t>6/5/2017</a:t>
             </a:fld>
             <a:endParaRPr lang="en-US"/>
           </a:p>
@@ -22098,7 +22097,7 @@
           <a:p>
             <a:fld id="{C798C88A-3EB1-48EE-BAEA-CE01783A4B66}" type="datetimeFigureOut">
               <a:rPr lang="en-US" smtClean="0"/>
-              <a:t>6/4/2017</a:t>
+              <a:t>6/5/2017</a:t>
             </a:fld>
             <a:endParaRPr lang="en-US"/>
           </a:p>
@@ -22378,7 +22377,7 @@
           <a:p>
             <a:fld id="{C798C88A-3EB1-48EE-BAEA-CE01783A4B66}" type="datetimeFigureOut">
               <a:rPr lang="en-US" smtClean="0"/>
-              <a:t>6/4/2017</a:t>
+              <a:t>6/5/2017</a:t>
             </a:fld>
             <a:endParaRPr lang="en-US"/>
           </a:p>
@@ -22658,7 +22657,7 @@
           <a:p>
             <a:fld id="{C798C88A-3EB1-48EE-BAEA-CE01783A4B66}" type="datetimeFigureOut">
               <a:rPr lang="en-US" smtClean="0"/>
-              <a:t>6/4/2017</a:t>
+              <a:t>6/5/2017</a:t>
             </a:fld>
             <a:endParaRPr lang="en-US"/>
           </a:p>
@@ -25328,7 +25327,7 @@
             </a:pPr>
             <a:r>
               <a:rPr lang="en-US" sz="2400" i="1" dirty="0"/>
-              <a:t>Free and open source R distribution</a:t>
+              <a:t>Based on free and open source base R distribution</a:t>
             </a:r>
           </a:p>
           <a:p>
@@ -27813,7 +27812,7 @@
         <p:spPr>
           <a:xfrm>
             <a:off x="884583" y="242040"/>
-            <a:ext cx="9398906" cy="6247864"/>
+            <a:ext cx="8877425" cy="5816977"/>
           </a:xfrm>
           <a:prstGeom prst="rect">
             <a:avLst/>
@@ -27828,7 +27827,20 @@
           <a:p>
             <a:r>
               <a:rPr lang="en-US" sz="3600" i="1" dirty="0"/>
-              <a:t>Summary - 1</a:t>
+              <a:t>Summary</a:t>
+            </a:r>
+          </a:p>
+          <a:p>
+            <a:endParaRPr lang="en-US" sz="2800" i="1" dirty="0"/>
+          </a:p>
+          <a:p>
+            <a:pPr marL="457200" indent="-457200">
+              <a:buFont typeface="Arial" panose="020B0604020202020204" pitchFamily="34" charset="0"/>
+              <a:buChar char="•"/>
+            </a:pPr>
+            <a:r>
+              <a:rPr lang="en-US" sz="2800" i="1" dirty="0"/>
+              <a:t>R is an open source language and environment for working with data</a:t>
             </a:r>
           </a:p>
           <a:p>
@@ -27845,7 +27857,7 @@
             </a:pPr>
             <a:r>
               <a:rPr lang="en-US" sz="2800" i="1" dirty="0"/>
-              <a:t>Microsoft acquired Revolution Analytics in 2015</a:t>
+              <a:t>Read data in multiple formats</a:t>
             </a:r>
           </a:p>
           <a:p>
@@ -27862,37 +27874,24 @@
             </a:pPr>
             <a:r>
               <a:rPr lang="en-US" sz="2800" i="1" dirty="0"/>
-              <a:t>Revolution R Open - Microsoft R Open(MRO)</a:t>
-            </a:r>
-          </a:p>
-          <a:p>
-            <a:pPr marL="1028700" lvl="1" indent="-571500">
+              <a:t>Work with R in IDE of your choice</a:t>
+            </a:r>
+          </a:p>
+          <a:p>
+            <a:pPr marL="457200" indent="-457200">
               <a:buFont typeface="Arial" panose="020B0604020202020204" pitchFamily="34" charset="0"/>
               <a:buChar char="•"/>
             </a:pPr>
-            <a:r>
-              <a:rPr lang="en-US" sz="2800" i="1" dirty="0"/>
-              <a:t>Free, open source, enhanced version of R</a:t>
-            </a:r>
-          </a:p>
-          <a:p>
-            <a:pPr marL="1028700" lvl="1" indent="-571500">
+            <a:endParaRPr lang="en-US" sz="2800" i="1" dirty="0"/>
+          </a:p>
+          <a:p>
+            <a:pPr marL="571500" indent="-571500">
               <a:buFont typeface="Arial" panose="020B0604020202020204" pitchFamily="34" charset="0"/>
               <a:buChar char="•"/>
             </a:pPr>
             <a:r>
               <a:rPr lang="en-US" sz="2800" i="1" dirty="0"/>
-              <a:t>Easier multithreading</a:t>
-            </a:r>
-          </a:p>
-          <a:p>
-            <a:pPr marL="1028700" lvl="1" indent="-571500">
-              <a:buFont typeface="Arial" panose="020B0604020202020204" pitchFamily="34" charset="0"/>
-              <a:buChar char="•"/>
-            </a:pPr>
-            <a:r>
-              <a:rPr lang="en-US" sz="2800" i="1" dirty="0"/>
-              <a:t>Package Time Machine with checkpoint</a:t>
+              <a:t>Extend base R with packages</a:t>
             </a:r>
           </a:p>
           <a:p>
@@ -27909,7 +27908,7 @@
             </a:pPr>
             <a:r>
               <a:rPr lang="en-US" sz="2800" i="1" dirty="0"/>
-              <a:t>Revolution R Enterprise - SQL 2016 R Server &amp; Microsoft R Server</a:t>
+              <a:t>R is available from CRAN</a:t>
             </a:r>
           </a:p>
           <a:p>
@@ -27919,29 +27918,8 @@
             </a:pPr>
             <a:r>
               <a:rPr lang="en-US" sz="2800" i="1" dirty="0"/>
-              <a:t>Advanced Analytics Extensions</a:t>
-            </a:r>
-          </a:p>
-          <a:p>
-            <a:pPr marL="1028700" lvl="1" indent="-571500">
-              <a:buFont typeface="Arial" panose="020B0604020202020204" pitchFamily="34" charset="0"/>
-              <a:buChar char="•"/>
-            </a:pPr>
-            <a:r>
-              <a:rPr lang="en-US" sz="2800" i="1" dirty="0"/>
-              <a:t>Run R code in database through system stored procedure</a:t>
-            </a:r>
-          </a:p>
-          <a:p>
-            <a:pPr marL="1028700" lvl="1" indent="-571500">
-              <a:buFont typeface="Arial" panose="020B0604020202020204" pitchFamily="34" charset="0"/>
-              <a:buChar char="•"/>
-            </a:pPr>
-            <a:r>
-              <a:rPr lang="en-US" sz="2800" i="1" dirty="0"/>
-              <a:t>Return results and plots to application</a:t>
-            </a:r>
-            <a:endParaRPr lang="en-US" sz="3200" i="1" dirty="0"/>
+              <a:t>Microsoft version from MRAN</a:t>
+            </a:r>
           </a:p>
         </p:txBody>
       </p:sp>
@@ -27989,264 +27967,6 @@
 </file>
 
 <file path=ppt/slides/slide37.xml><?xml version="1.0" encoding="utf-8"?>
-<p:sld xmlns:a="http://schemas.openxmlformats.org/drawingml/2006/main" xmlns:r="http://schemas.openxmlformats.org/officeDocument/2006/relationships" xmlns:p="http://schemas.openxmlformats.org/presentationml/2006/main">
-  <p:cSld>
-    <p:spTree>
-      <p:nvGrpSpPr>
-        <p:cNvPr id="1" name=""/>
-        <p:cNvGrpSpPr/>
-        <p:nvPr/>
-      </p:nvGrpSpPr>
-      <p:grpSpPr>
-        <a:xfrm>
-          <a:off x="0" y="0"/>
-          <a:ext cx="0" cy="0"/>
-          <a:chOff x="0" y="0"/>
-          <a:chExt cx="0" cy="0"/>
-        </a:xfrm>
-      </p:grpSpPr>
-      <p:sp>
-        <p:nvSpPr>
-          <p:cNvPr id="9" name="TextBox 8"/>
-          <p:cNvSpPr txBox="1"/>
-          <p:nvPr/>
-        </p:nvSpPr>
-        <p:spPr>
-          <a:xfrm>
-            <a:off x="268358" y="79858"/>
-            <a:ext cx="10505412" cy="6678751"/>
-          </a:xfrm>
-          <a:prstGeom prst="rect">
-            <a:avLst/>
-          </a:prstGeom>
-          <a:noFill/>
-        </p:spPr>
-        <p:txBody>
-          <a:bodyPr wrap="square" rtlCol="0">
-            <a:spAutoFit/>
-          </a:bodyPr>
-          <a:lstStyle/>
-          <a:p>
-            <a:r>
-              <a:rPr lang="en-US" sz="3600" i="1" dirty="0"/>
-              <a:t>Summary - 2</a:t>
-            </a:r>
-          </a:p>
-          <a:p>
-            <a:pPr marL="571500" indent="-571500">
-              <a:buFont typeface="Arial" panose="020B0604020202020204" pitchFamily="34" charset="0"/>
-              <a:buChar char="•"/>
-            </a:pPr>
-            <a:endParaRPr lang="en-US" sz="2800" i="1" dirty="0"/>
-          </a:p>
-          <a:p>
-            <a:pPr marL="457200" indent="-457200">
-              <a:buFont typeface="Arial" panose="020B0604020202020204" pitchFamily="34" charset="0"/>
-              <a:buChar char="•"/>
-            </a:pPr>
-            <a:r>
-              <a:rPr lang="en-US" sz="2800" i="1" dirty="0"/>
-              <a:t>Choose R (In Database)feature during SQL install</a:t>
-            </a:r>
-          </a:p>
-          <a:p>
-            <a:pPr marL="457200" indent="-457200">
-              <a:buFont typeface="Arial" panose="020B0604020202020204" pitchFamily="34" charset="0"/>
-              <a:buChar char="•"/>
-            </a:pPr>
-            <a:endParaRPr lang="en-US" sz="2800" i="1" dirty="0"/>
-          </a:p>
-          <a:p>
-            <a:pPr marL="457200" indent="-457200">
-              <a:buFont typeface="Arial" panose="020B0604020202020204" pitchFamily="34" charset="0"/>
-              <a:buChar char="•"/>
-            </a:pPr>
-            <a:r>
-              <a:rPr lang="en-US" sz="2800" i="1" dirty="0"/>
-              <a:t>Install RRO and RRE (before </a:t>
-            </a:r>
-            <a:r>
-              <a:rPr lang="en-US" sz="2800" i="1"/>
-              <a:t>RC2 or </a:t>
-            </a:r>
-            <a:r>
-              <a:rPr lang="en-US" sz="2800" i="1" dirty="0"/>
-              <a:t>if server has </a:t>
-            </a:r>
-            <a:r>
-              <a:rPr lang="en-US" sz="2800" i="1"/>
-              <a:t>no internet)</a:t>
-            </a:r>
-            <a:endParaRPr lang="en-US" sz="2800" i="1" dirty="0"/>
-          </a:p>
-          <a:p>
-            <a:pPr marL="457200" indent="-457200">
-              <a:buFont typeface="Arial" panose="020B0604020202020204" pitchFamily="34" charset="0"/>
-              <a:buChar char="•"/>
-            </a:pPr>
-            <a:endParaRPr lang="en-US" sz="2800" i="1" dirty="0"/>
-          </a:p>
-          <a:p>
-            <a:pPr marL="457200" indent="-457200">
-              <a:buFont typeface="Arial" panose="020B0604020202020204" pitchFamily="34" charset="0"/>
-              <a:buChar char="•"/>
-            </a:pPr>
-            <a:r>
-              <a:rPr lang="en-US" sz="2800" i="1" dirty="0" err="1"/>
-              <a:t>Sp_configure</a:t>
-            </a:r>
-            <a:r>
-              <a:rPr lang="en-US" sz="2800" i="1" dirty="0"/>
-              <a:t> ‘</a:t>
-            </a:r>
-            <a:r>
-              <a:rPr lang="en-US" sz="2800" i="1" dirty="0" err="1"/>
-              <a:t>external_scripts_enabled</a:t>
-            </a:r>
-            <a:r>
-              <a:rPr lang="en-US" sz="2800" i="1" dirty="0"/>
-              <a:t>’, 1</a:t>
-            </a:r>
-          </a:p>
-          <a:p>
-            <a:pPr marL="571500" indent="-571500">
-              <a:buFont typeface="Arial" panose="020B0604020202020204" pitchFamily="34" charset="0"/>
-              <a:buChar char="•"/>
-            </a:pPr>
-            <a:endParaRPr lang="en-US" sz="2800" i="1" dirty="0"/>
-          </a:p>
-          <a:p>
-            <a:pPr marL="457200" indent="-457200">
-              <a:buFont typeface="Arial" panose="020B0604020202020204" pitchFamily="34" charset="0"/>
-              <a:buChar char="•"/>
-            </a:pPr>
-            <a:r>
-              <a:rPr lang="en-US" sz="2800" i="1" dirty="0"/>
-              <a:t>Configure </a:t>
-            </a:r>
-            <a:r>
-              <a:rPr lang="en-US" sz="2800" i="1" dirty="0" err="1"/>
-              <a:t>Rlaunchpad</a:t>
-            </a:r>
-            <a:r>
-              <a:rPr lang="en-US" sz="2800" i="1" dirty="0"/>
-              <a:t> for memory</a:t>
-            </a:r>
-          </a:p>
-          <a:p>
-            <a:pPr marL="457200" indent="-457200">
-              <a:buFont typeface="Arial" panose="020B0604020202020204" pitchFamily="34" charset="0"/>
-              <a:buChar char="•"/>
-            </a:pPr>
-            <a:endParaRPr lang="en-US" sz="2800" i="1" dirty="0"/>
-          </a:p>
-          <a:p>
-            <a:pPr marL="457200" indent="-457200">
-              <a:buFont typeface="Arial" panose="020B0604020202020204" pitchFamily="34" charset="0"/>
-              <a:buChar char="•"/>
-            </a:pPr>
-            <a:r>
-              <a:rPr lang="en-US" sz="2800" i="1" dirty="0"/>
-              <a:t>Configure </a:t>
-            </a:r>
-            <a:r>
-              <a:rPr lang="en-US" sz="2800" i="1" dirty="0" err="1"/>
-              <a:t>RegisterRext.exe.config</a:t>
-            </a:r>
-            <a:r>
-              <a:rPr lang="en-US" sz="2800" i="1" dirty="0"/>
-              <a:t> for user account sessions </a:t>
-            </a:r>
-          </a:p>
-          <a:p>
-            <a:pPr marL="571500" indent="-571500">
-              <a:buFont typeface="Arial" panose="020B0604020202020204" pitchFamily="34" charset="0"/>
-              <a:buChar char="•"/>
-            </a:pPr>
-            <a:endParaRPr lang="en-US" sz="2800" i="1" dirty="0"/>
-          </a:p>
-          <a:p>
-            <a:pPr marL="457200" indent="-457200">
-              <a:buFont typeface="Arial" panose="020B0604020202020204" pitchFamily="34" charset="0"/>
-              <a:buChar char="•"/>
-            </a:pPr>
-            <a:r>
-              <a:rPr lang="en-US" sz="2800" i="1" dirty="0"/>
-              <a:t>Run R code through </a:t>
-            </a:r>
-            <a:r>
-              <a:rPr lang="en-US" sz="2800" i="1" dirty="0" err="1"/>
-              <a:t>sp_execute_external_script</a:t>
-            </a:r>
-            <a:endParaRPr lang="en-US" sz="2800" i="1" dirty="0"/>
-          </a:p>
-          <a:p>
-            <a:pPr marL="914400" lvl="1" indent="-457200">
-              <a:buFont typeface="Arial" panose="020B0604020202020204" pitchFamily="34" charset="0"/>
-              <a:buChar char="•"/>
-            </a:pPr>
-            <a:r>
-              <a:rPr lang="en-US" sz="2800" i="1" dirty="0"/>
-              <a:t>Only 1 input and 1output</a:t>
-            </a:r>
-          </a:p>
-          <a:p>
-            <a:pPr marL="914400" lvl="1" indent="-457200">
-              <a:buFont typeface="Arial" panose="020B0604020202020204" pitchFamily="34" charset="0"/>
-              <a:buChar char="•"/>
-            </a:pPr>
-            <a:r>
-              <a:rPr lang="en-US" sz="2800" i="1" dirty="0"/>
-              <a:t>R must return data frame </a:t>
-            </a:r>
-            <a:endParaRPr lang="en-US" sz="3200" i="1" dirty="0"/>
-          </a:p>
-        </p:txBody>
-      </p:sp>
-      <p:pic>
-        <p:nvPicPr>
-          <p:cNvPr id="10" name="Picture 9"/>
-          <p:cNvPicPr>
-            <a:picLocks noChangeAspect="1"/>
-          </p:cNvPicPr>
-          <p:nvPr/>
-        </p:nvPicPr>
-        <p:blipFill>
-          <a:blip r:embed="rId2">
-            <a:extLst>
-              <a:ext uri="{28A0092B-C50C-407E-A947-70E740481C1C}">
-                <a14:useLocalDpi xmlns:a14="http://schemas.microsoft.com/office/drawing/2010/main" val="0"/>
-              </a:ext>
-            </a:extLst>
-          </a:blip>
-          <a:stretch>
-            <a:fillRect/>
-          </a:stretch>
-        </p:blipFill>
-        <p:spPr>
-          <a:xfrm>
-            <a:off x="9941309" y="311450"/>
-            <a:ext cx="1737457" cy="1345550"/>
-          </a:xfrm>
-          <a:prstGeom prst="rect">
-            <a:avLst/>
-          </a:prstGeom>
-        </p:spPr>
-      </p:pic>
-    </p:spTree>
-    <p:extLst>
-      <p:ext uri="{BB962C8B-B14F-4D97-AF65-F5344CB8AC3E}">
-        <p14:creationId xmlns:p14="http://schemas.microsoft.com/office/powerpoint/2010/main" val="4224310888"/>
-      </p:ext>
-    </p:extLst>
-  </p:cSld>
-  <p:clrMapOvr>
-    <a:masterClrMapping/>
-  </p:clrMapOvr>
-</p:sld>
-</file>
-
-<file path=ppt/slides/slide38.xml><?xml version="1.0" encoding="utf-8"?>
 <p:sld xmlns:a="http://schemas.openxmlformats.org/drawingml/2006/main" xmlns:r="http://schemas.openxmlformats.org/officeDocument/2006/relationships" xmlns:p="http://schemas.openxmlformats.org/presentationml/2006/main" showMasterSp="0">
   <p:cSld>
     <p:spTree>
@@ -28457,7 +28177,7 @@
 </p:sld>
 </file>
 
-<file path=ppt/slides/slide39.xml><?xml version="1.0" encoding="utf-8"?>
+<file path=ppt/slides/slide38.xml><?xml version="1.0" encoding="utf-8"?>
 <p:sld xmlns:a="http://schemas.openxmlformats.org/drawingml/2006/main" xmlns:r="http://schemas.openxmlformats.org/officeDocument/2006/relationships" xmlns:p="http://schemas.openxmlformats.org/presentationml/2006/main" showMasterSp="0">
   <p:cSld>
     <p:spTree>
@@ -28498,7 +28218,7 @@
           <a:p>
             <a:r>
               <a:rPr lang="en-US" sz="3200" dirty="0"/>
-              <a:t>Microsoft R Open References</a:t>
+              <a:t>Microsoft R References</a:t>
             </a:r>
           </a:p>
         </p:txBody>
@@ -28536,7 +28256,7 @@
               <a:rPr lang="en-US" sz="2400" dirty="0">
                 <a:hlinkClick r:id="rId3"/>
               </a:rPr>
-              <a:t>https://msdn.microsoft.com/en-us/library/mt604845.aspx</a:t>
+              <a:t>https://docs.microsoft.com/en-us/sql/advanced-analytics/r/sql-server-r-services</a:t>
             </a:r>
             <a:endParaRPr lang="en-US" sz="2400" dirty="0"/>
           </a:p>
@@ -28662,6 +28382,193 @@
     <p:extLst>
       <p:ext uri="{BB962C8B-B14F-4D97-AF65-F5344CB8AC3E}">
         <p14:creationId xmlns:p14="http://schemas.microsoft.com/office/powerpoint/2010/main" val="1062634877"/>
+      </p:ext>
+    </p:extLst>
+  </p:cSld>
+  <p:clrMapOvr>
+    <a:masterClrMapping/>
+  </p:clrMapOvr>
+</p:sld>
+</file>
+
+<file path=ppt/slides/slide39.xml><?xml version="1.0" encoding="utf-8"?>
+<p:sld xmlns:a="http://schemas.openxmlformats.org/drawingml/2006/main" xmlns:r="http://schemas.openxmlformats.org/officeDocument/2006/relationships" xmlns:p="http://schemas.openxmlformats.org/presentationml/2006/main" showMasterSp="0">
+  <p:cSld>
+    <p:spTree>
+      <p:nvGrpSpPr>
+        <p:cNvPr id="1" name=""/>
+        <p:cNvGrpSpPr/>
+        <p:nvPr/>
+      </p:nvGrpSpPr>
+      <p:grpSpPr>
+        <a:xfrm>
+          <a:off x="0" y="0"/>
+          <a:ext cx="0" cy="0"/>
+          <a:chOff x="0" y="0"/>
+          <a:chExt cx="0" cy="0"/>
+        </a:xfrm>
+      </p:grpSpPr>
+      <p:sp>
+        <p:nvSpPr>
+          <p:cNvPr id="3" name="TextBox 2"/>
+          <p:cNvSpPr txBox="1"/>
+          <p:nvPr/>
+        </p:nvSpPr>
+        <p:spPr>
+          <a:xfrm>
+            <a:off x="3607305" y="311450"/>
+            <a:ext cx="4193474" cy="1077218"/>
+          </a:xfrm>
+          <a:prstGeom prst="rect">
+            <a:avLst/>
+          </a:prstGeom>
+          <a:noFill/>
+        </p:spPr>
+        <p:txBody>
+          <a:bodyPr wrap="square" rtlCol="0">
+            <a:spAutoFit/>
+          </a:bodyPr>
+          <a:lstStyle/>
+          <a:p>
+            <a:r>
+              <a:rPr lang="en-US" sz="3200" dirty="0"/>
+              <a:t>R and SQL Bloggers</a:t>
+            </a:r>
+          </a:p>
+          <a:p>
+            <a:r>
+              <a:rPr lang="en-US" sz="3200" dirty="0"/>
+              <a:t> </a:t>
+            </a:r>
+          </a:p>
+        </p:txBody>
+      </p:sp>
+      <p:pic>
+        <p:nvPicPr>
+          <p:cNvPr id="9" name="Picture 8"/>
+          <p:cNvPicPr>
+            <a:picLocks noChangeAspect="1"/>
+          </p:cNvPicPr>
+          <p:nvPr/>
+        </p:nvPicPr>
+        <p:blipFill>
+          <a:blip r:embed="rId3">
+            <a:extLst>
+              <a:ext uri="{28A0092B-C50C-407E-A947-70E740481C1C}">
+                <a14:useLocalDpi xmlns:a14="http://schemas.microsoft.com/office/drawing/2010/main" val="0"/>
+              </a:ext>
+            </a:extLst>
+          </a:blip>
+          <a:stretch>
+            <a:fillRect/>
+          </a:stretch>
+        </p:blipFill>
+        <p:spPr>
+          <a:xfrm>
+            <a:off x="9941309" y="311450"/>
+            <a:ext cx="1737457" cy="1345550"/>
+          </a:xfrm>
+          <a:prstGeom prst="rect">
+            <a:avLst/>
+          </a:prstGeom>
+        </p:spPr>
+      </p:pic>
+      <p:sp>
+        <p:nvSpPr>
+          <p:cNvPr id="2" name="TextBox 1"/>
+          <p:cNvSpPr txBox="1"/>
+          <p:nvPr/>
+        </p:nvSpPr>
+        <p:spPr>
+          <a:xfrm>
+            <a:off x="990074" y="1657000"/>
+            <a:ext cx="7479162" cy="3816429"/>
+          </a:xfrm>
+          <a:prstGeom prst="rect">
+            <a:avLst/>
+          </a:prstGeom>
+          <a:noFill/>
+        </p:spPr>
+        <p:txBody>
+          <a:bodyPr wrap="square" rtlCol="0">
+            <a:spAutoFit/>
+          </a:bodyPr>
+          <a:lstStyle/>
+          <a:p>
+            <a:r>
+              <a:rPr lang="en-US" sz="2800" dirty="0"/>
+              <a:t>Ginger Grant – Desert Isle SQL</a:t>
+            </a:r>
+            <a:br>
+              <a:rPr lang="en-US" sz="2800" dirty="0"/>
+            </a:br>
+            <a:r>
+              <a:rPr lang="en-US" sz="2800" dirty="0">
+                <a:hlinkClick r:id="rId4"/>
+              </a:rPr>
+              <a:t>http://www.desertislesql.com/wordpress1/?tag=r</a:t>
+            </a:r>
+            <a:endParaRPr lang="en-US" sz="2800" dirty="0"/>
+          </a:p>
+          <a:p>
+            <a:endParaRPr lang="en-US" sz="2800" dirty="0"/>
+          </a:p>
+          <a:p>
+            <a:r>
+              <a:rPr lang="en-US" sz="2800" dirty="0" err="1"/>
+              <a:t>Tomaz</a:t>
+            </a:r>
+            <a:r>
+              <a:rPr lang="en-US" sz="2800" dirty="0"/>
+              <a:t> </a:t>
+            </a:r>
+            <a:r>
+              <a:rPr lang="en-US" sz="2800" dirty="0" err="1"/>
+              <a:t>Kastrun</a:t>
+            </a:r>
+            <a:r>
+              <a:rPr lang="en-US" sz="2800" dirty="0"/>
+              <a:t> – TOMAZTSQL</a:t>
+            </a:r>
+            <a:br>
+              <a:rPr lang="en-US" sz="2800" dirty="0"/>
+            </a:br>
+            <a:r>
+              <a:rPr lang="en-US" sz="2800" dirty="0">
+                <a:hlinkClick r:id="rId5"/>
+              </a:rPr>
+              <a:t>https://tomaztsql.wordpress.com/</a:t>
+            </a:r>
+            <a:endParaRPr lang="en-US" sz="2800" dirty="0"/>
+          </a:p>
+          <a:p>
+            <a:endParaRPr lang="en-US" sz="2800" dirty="0"/>
+          </a:p>
+          <a:p>
+            <a:r>
+              <a:rPr lang="en-US" sz="2800" dirty="0"/>
+              <a:t>Revolution Analytics</a:t>
+            </a:r>
+            <a:br>
+              <a:rPr lang="en-US" sz="2800" dirty="0"/>
+            </a:br>
+            <a:r>
+              <a:rPr lang="en-US" sz="2800" dirty="0">
+                <a:hlinkClick r:id="rId6"/>
+              </a:rPr>
+              <a:t>http://blog.revolutionanalytics.com/r/</a:t>
+            </a:r>
+            <a:endParaRPr lang="en-US" sz="2800" dirty="0"/>
+          </a:p>
+          <a:p>
+            <a:endParaRPr lang="en-US" dirty="0"/>
+          </a:p>
+        </p:txBody>
+      </p:sp>
+    </p:spTree>
+    <p:extLst>
+      <p:ext uri="{BB962C8B-B14F-4D97-AF65-F5344CB8AC3E}">
+        <p14:creationId xmlns:p14="http://schemas.microsoft.com/office/powerpoint/2010/main" val="54837519"/>
       </p:ext>
     </p:extLst>
   </p:cSld>
@@ -29414,101 +29321,6 @@
       </p:grpSpPr>
       <p:sp>
         <p:nvSpPr>
-          <p:cNvPr id="3" name="TextBox 2"/>
-          <p:cNvSpPr txBox="1"/>
-          <p:nvPr/>
-        </p:nvSpPr>
-        <p:spPr>
-          <a:xfrm>
-            <a:off x="3815409" y="327547"/>
-            <a:ext cx="3155277" cy="1077218"/>
-          </a:xfrm>
-          <a:prstGeom prst="rect">
-            <a:avLst/>
-          </a:prstGeom>
-          <a:noFill/>
-        </p:spPr>
-        <p:txBody>
-          <a:bodyPr wrap="square" rtlCol="0">
-            <a:spAutoFit/>
-          </a:bodyPr>
-          <a:lstStyle/>
-          <a:p>
-            <a:r>
-              <a:rPr lang="en-US" sz="3200" dirty="0"/>
-              <a:t>References – 2</a:t>
-            </a:r>
-          </a:p>
-          <a:p>
-            <a:r>
-              <a:rPr lang="en-US" sz="3200" dirty="0"/>
-              <a:t> </a:t>
-            </a:r>
-          </a:p>
-        </p:txBody>
-      </p:sp>
-      <p:pic>
-        <p:nvPicPr>
-          <p:cNvPr id="9" name="Picture 8"/>
-          <p:cNvPicPr>
-            <a:picLocks noChangeAspect="1"/>
-          </p:cNvPicPr>
-          <p:nvPr/>
-        </p:nvPicPr>
-        <p:blipFill>
-          <a:blip r:embed="rId3">
-            <a:extLst>
-              <a:ext uri="{28A0092B-C50C-407E-A947-70E740481C1C}">
-                <a14:useLocalDpi xmlns:a14="http://schemas.microsoft.com/office/drawing/2010/main" val="0"/>
-              </a:ext>
-            </a:extLst>
-          </a:blip>
-          <a:stretch>
-            <a:fillRect/>
-          </a:stretch>
-        </p:blipFill>
-        <p:spPr>
-          <a:xfrm>
-            <a:off x="9941309" y="311450"/>
-            <a:ext cx="1737457" cy="1345550"/>
-          </a:xfrm>
-          <a:prstGeom prst="rect">
-            <a:avLst/>
-          </a:prstGeom>
-        </p:spPr>
-      </p:pic>
-    </p:spTree>
-    <p:extLst>
-      <p:ext uri="{BB962C8B-B14F-4D97-AF65-F5344CB8AC3E}">
-        <p14:creationId xmlns:p14="http://schemas.microsoft.com/office/powerpoint/2010/main" val="54837519"/>
-      </p:ext>
-    </p:extLst>
-  </p:cSld>
-  <p:clrMapOvr>
-    <a:masterClrMapping/>
-  </p:clrMapOvr>
-</p:sld>
-</file>
-
-<file path=ppt/slides/slide41.xml><?xml version="1.0" encoding="utf-8"?>
-<p:sld xmlns:a="http://schemas.openxmlformats.org/drawingml/2006/main" xmlns:r="http://schemas.openxmlformats.org/officeDocument/2006/relationships" xmlns:p="http://schemas.openxmlformats.org/presentationml/2006/main" showMasterSp="0">
-  <p:cSld>
-    <p:spTree>
-      <p:nvGrpSpPr>
-        <p:cNvPr id="1" name=""/>
-        <p:cNvGrpSpPr/>
-        <p:nvPr/>
-      </p:nvGrpSpPr>
-      <p:grpSpPr>
-        <a:xfrm>
-          <a:off x="0" y="0"/>
-          <a:ext cx="0" cy="0"/>
-          <a:chOff x="0" y="0"/>
-          <a:chExt cx="0" cy="0"/>
-        </a:xfrm>
-      </p:grpSpPr>
-      <p:sp>
-        <p:nvSpPr>
           <p:cNvPr id="3" name="Content Placeholder 2"/>
           <p:cNvSpPr>
             <a:spLocks noGrp="1"/>
@@ -30603,7 +30415,7 @@
         <p:spPr>
           <a:xfrm>
             <a:off x="238539" y="1012753"/>
-            <a:ext cx="9561444" cy="4401205"/>
+            <a:ext cx="9561444" cy="5262979"/>
           </a:xfrm>
           <a:prstGeom prst="rect">
             <a:avLst/>
@@ -30657,6 +30469,32 @@
             </a:r>
           </a:p>
           <a:p>
+            <a:pPr marL="1371600" lvl="2" indent="-457200">
+              <a:buFont typeface="Arial" panose="020B0604020202020204" pitchFamily="34" charset="0"/>
+              <a:buChar char="•"/>
+            </a:pPr>
+            <a:r>
+              <a:rPr lang="en-US" sz="2800" i="1" dirty="0"/>
+              <a:t>Runs in multiple IDEs: </a:t>
+            </a:r>
+            <a:r>
+              <a:rPr lang="en-US" sz="2800" i="1" dirty="0" err="1"/>
+              <a:t>RStudio</a:t>
+            </a:r>
+            <a:r>
+              <a:rPr lang="en-US" sz="2800" i="1" dirty="0"/>
+              <a:t>, RTVS, Eclipse, </a:t>
+            </a:r>
+            <a:r>
+              <a:rPr lang="en-US" sz="2800" i="1" dirty="0" err="1"/>
+              <a:t>Jupyter</a:t>
+            </a:r>
+            <a:r>
+              <a:rPr lang="en-US" sz="2800" i="1" dirty="0"/>
+              <a:t> </a:t>
+            </a:r>
+          </a:p>
+          <a:p>
             <a:pPr marL="914400" lvl="1" indent="-457200">
               <a:buFont typeface="Arial" panose="020B0604020202020204" pitchFamily="34" charset="0"/>
               <a:buChar char="•"/>
@@ -30670,7 +30508,7 @@
             </a:pPr>
             <a:r>
               <a:rPr lang="en-US" sz="2800" i="1" dirty="0"/>
-              <a:t>Available from the CRAN repository</a:t>
+              <a:t>Available from Comprehensive R Archive Network (CRAN) repository</a:t>
             </a:r>
           </a:p>
           <a:p>
